--- a/Master's thesis documents/Slides/Pareto front config.pptx
+++ b/Master's thesis documents/Slides/Pareto front config.pptx
@@ -5,7 +5,10 @@
     <p:sldMasterId id="2147483648" r:id="rId1"/>
   </p:sldMasterIdLst>
   <p:sldIdLst>
-    <p:sldId id="257" r:id="rId2"/>
+    <p:sldId id="258" r:id="rId2"/>
+    <p:sldId id="259" r:id="rId3"/>
+    <p:sldId id="260" r:id="rId4"/>
+    <p:sldId id="261" r:id="rId5"/>
   </p:sldIdLst>
   <p:sldSz cx="12192000" cy="6858000"/>
   <p:notesSz cx="6858000" cy="9144000"/>
@@ -259,7 +262,7 @@
           <a:p>
             <a:fld id="{89D0D7E0-E5FD-4D3B-A352-3CD263B3A566}" type="datetimeFigureOut">
               <a:rPr lang="en-US" smtClean="0"/>
-              <a:t>7/30/2024</a:t>
+              <a:t>9/30/2024</a:t>
             </a:fld>
             <a:endParaRPr lang="en-US"/>
           </a:p>
@@ -457,7 +460,7 @@
           <a:p>
             <a:fld id="{89D0D7E0-E5FD-4D3B-A352-3CD263B3A566}" type="datetimeFigureOut">
               <a:rPr lang="en-US" smtClean="0"/>
-              <a:t>7/30/2024</a:t>
+              <a:t>9/30/2024</a:t>
             </a:fld>
             <a:endParaRPr lang="en-US"/>
           </a:p>
@@ -665,7 +668,7 @@
           <a:p>
             <a:fld id="{89D0D7E0-E5FD-4D3B-A352-3CD263B3A566}" type="datetimeFigureOut">
               <a:rPr lang="en-US" smtClean="0"/>
-              <a:t>7/30/2024</a:t>
+              <a:t>9/30/2024</a:t>
             </a:fld>
             <a:endParaRPr lang="en-US"/>
           </a:p>
@@ -863,7 +866,7 @@
           <a:p>
             <a:fld id="{89D0D7E0-E5FD-4D3B-A352-3CD263B3A566}" type="datetimeFigureOut">
               <a:rPr lang="en-US" smtClean="0"/>
-              <a:t>7/30/2024</a:t>
+              <a:t>9/30/2024</a:t>
             </a:fld>
             <a:endParaRPr lang="en-US"/>
           </a:p>
@@ -1138,7 +1141,7 @@
           <a:p>
             <a:fld id="{89D0D7E0-E5FD-4D3B-A352-3CD263B3A566}" type="datetimeFigureOut">
               <a:rPr lang="en-US" smtClean="0"/>
-              <a:t>7/30/2024</a:t>
+              <a:t>9/30/2024</a:t>
             </a:fld>
             <a:endParaRPr lang="en-US"/>
           </a:p>
@@ -1403,7 +1406,7 @@
           <a:p>
             <a:fld id="{89D0D7E0-E5FD-4D3B-A352-3CD263B3A566}" type="datetimeFigureOut">
               <a:rPr lang="en-US" smtClean="0"/>
-              <a:t>7/30/2024</a:t>
+              <a:t>9/30/2024</a:t>
             </a:fld>
             <a:endParaRPr lang="en-US"/>
           </a:p>
@@ -1815,7 +1818,7 @@
           <a:p>
             <a:fld id="{89D0D7E0-E5FD-4D3B-A352-3CD263B3A566}" type="datetimeFigureOut">
               <a:rPr lang="en-US" smtClean="0"/>
-              <a:t>7/30/2024</a:t>
+              <a:t>9/30/2024</a:t>
             </a:fld>
             <a:endParaRPr lang="en-US"/>
           </a:p>
@@ -1956,7 +1959,7 @@
           <a:p>
             <a:fld id="{89D0D7E0-E5FD-4D3B-A352-3CD263B3A566}" type="datetimeFigureOut">
               <a:rPr lang="en-US" smtClean="0"/>
-              <a:t>7/30/2024</a:t>
+              <a:t>9/30/2024</a:t>
             </a:fld>
             <a:endParaRPr lang="en-US"/>
           </a:p>
@@ -2069,7 +2072,7 @@
           <a:p>
             <a:fld id="{89D0D7E0-E5FD-4D3B-A352-3CD263B3A566}" type="datetimeFigureOut">
               <a:rPr lang="en-US" smtClean="0"/>
-              <a:t>7/30/2024</a:t>
+              <a:t>9/30/2024</a:t>
             </a:fld>
             <a:endParaRPr lang="en-US"/>
           </a:p>
@@ -2380,7 +2383,7 @@
           <a:p>
             <a:fld id="{89D0D7E0-E5FD-4D3B-A352-3CD263B3A566}" type="datetimeFigureOut">
               <a:rPr lang="en-US" smtClean="0"/>
-              <a:t>7/30/2024</a:t>
+              <a:t>9/30/2024</a:t>
             </a:fld>
             <a:endParaRPr lang="en-US"/>
           </a:p>
@@ -2668,7 +2671,7 @@
           <a:p>
             <a:fld id="{89D0D7E0-E5FD-4D3B-A352-3CD263B3A566}" type="datetimeFigureOut">
               <a:rPr lang="en-US" smtClean="0"/>
-              <a:t>7/30/2024</a:t>
+              <a:t>9/30/2024</a:t>
             </a:fld>
             <a:endParaRPr lang="en-US"/>
           </a:p>
@@ -2909,7 +2912,7 @@
           <a:p>
             <a:fld id="{89D0D7E0-E5FD-4D3B-A352-3CD263B3A566}" type="datetimeFigureOut">
               <a:rPr lang="en-US" smtClean="0"/>
-              <a:t>7/30/2024</a:t>
+              <a:t>9/30/2024</a:t>
             </a:fld>
             <a:endParaRPr lang="en-US"/>
           </a:p>
@@ -3328,10 +3331,10 @@
       </p:grpSpPr>
       <p:pic>
         <p:nvPicPr>
-          <p:cNvPr id="62" name="Picture 61">
-            <a:extLst>
-              <a:ext uri="{FF2B5EF4-FFF2-40B4-BE49-F238E27FC236}">
-                <a16:creationId xmlns:a16="http://schemas.microsoft.com/office/drawing/2014/main" id="{8970AB17-1D00-6387-79EC-4EB621E28CDB}"/>
+          <p:cNvPr id="3" name="Graphic 2">
+            <a:extLst>
+              <a:ext uri="{FF2B5EF4-FFF2-40B4-BE49-F238E27FC236}">
+                <a16:creationId xmlns:a16="http://schemas.microsoft.com/office/drawing/2014/main" id="{862DD023-7141-A762-A618-D554C1D07A56}"/>
               </a:ext>
             </a:extLst>
           </p:cNvPr>
@@ -3343,8 +3346,8 @@
         <p:blipFill>
           <a:blip r:embed="rId2">
             <a:extLst>
-              <a:ext uri="{28A0092B-C50C-407E-A947-70E740481C1C}">
-                <a14:useLocalDpi xmlns:a14="http://schemas.microsoft.com/office/drawing/2010/main" val="0"/>
+              <a:ext uri="{96DAC541-7B7A-43D3-8B79-37D633B846F1}">
+                <asvg:svgBlip xmlns:asvg="http://schemas.microsoft.com/office/drawing/2016/SVG/main" r:embed="rId3"/>
               </a:ext>
             </a:extLst>
           </a:blip>
@@ -3354,8 +3357,8 @@
         </p:blipFill>
         <p:spPr>
           <a:xfrm>
-            <a:off x="9160656" y="4575759"/>
-            <a:ext cx="3031344" cy="2273508"/>
+            <a:off x="3429000" y="2857500"/>
+            <a:ext cx="5334000" cy="4000500"/>
           </a:xfrm>
           <a:prstGeom prst="rect">
             <a:avLst/>
@@ -3364,46 +3367,10 @@
       </p:pic>
       <p:pic>
         <p:nvPicPr>
-          <p:cNvPr id="60" name="Picture 59">
-            <a:extLst>
-              <a:ext uri="{FF2B5EF4-FFF2-40B4-BE49-F238E27FC236}">
-                <a16:creationId xmlns:a16="http://schemas.microsoft.com/office/drawing/2014/main" id="{4155C124-CA29-8E67-A3B9-D615C23DD7B0}"/>
-              </a:ext>
-            </a:extLst>
-          </p:cNvPr>
-          <p:cNvPicPr>
-            <a:picLocks noChangeAspect="1"/>
-          </p:cNvPicPr>
-          <p:nvPr/>
-        </p:nvPicPr>
-        <p:blipFill>
-          <a:blip r:embed="rId3">
-            <a:extLst>
-              <a:ext uri="{28A0092B-C50C-407E-A947-70E740481C1C}">
-                <a14:useLocalDpi xmlns:a14="http://schemas.microsoft.com/office/drawing/2010/main" val="0"/>
-              </a:ext>
-            </a:extLst>
-          </a:blip>
-          <a:stretch>
-            <a:fillRect/>
-          </a:stretch>
-        </p:blipFill>
-        <p:spPr>
-          <a:xfrm>
-            <a:off x="6143349" y="4551612"/>
-            <a:ext cx="3031344" cy="2273508"/>
-          </a:xfrm>
-          <a:prstGeom prst="rect">
-            <a:avLst/>
-          </a:prstGeom>
-        </p:spPr>
-      </p:pic>
-      <p:pic>
-        <p:nvPicPr>
-          <p:cNvPr id="58" name="Picture 57">
-            <a:extLst>
-              <a:ext uri="{FF2B5EF4-FFF2-40B4-BE49-F238E27FC236}">
-                <a16:creationId xmlns:a16="http://schemas.microsoft.com/office/drawing/2014/main" id="{F388ABF0-E911-2BF9-475F-0E94D83418EB}"/>
+          <p:cNvPr id="6" name="Graphic 5">
+            <a:extLst>
+              <a:ext uri="{FF2B5EF4-FFF2-40B4-BE49-F238E27FC236}">
+                <a16:creationId xmlns:a16="http://schemas.microsoft.com/office/drawing/2014/main" id="{9472F01F-8589-7C79-2F2B-BE66F572C58C}"/>
               </a:ext>
             </a:extLst>
           </p:cNvPr>
@@ -3415,8 +3382,8 @@
         <p:blipFill>
           <a:blip r:embed="rId4">
             <a:extLst>
-              <a:ext uri="{28A0092B-C50C-407E-A947-70E740481C1C}">
-                <a14:useLocalDpi xmlns:a14="http://schemas.microsoft.com/office/drawing/2010/main" val="0"/>
+              <a:ext uri="{96DAC541-7B7A-43D3-8B79-37D633B846F1}">
+                <asvg:svgBlip xmlns:asvg="http://schemas.microsoft.com/office/drawing/2016/SVG/main" r:embed="rId5"/>
               </a:ext>
             </a:extLst>
           </a:blip>
@@ -3426,8 +3393,8 @@
         </p:blipFill>
         <p:spPr>
           <a:xfrm>
-            <a:off x="9160656" y="2269128"/>
-            <a:ext cx="3031344" cy="2273508"/>
+            <a:off x="434622" y="555483"/>
+            <a:ext cx="3069356" cy="2302017"/>
           </a:xfrm>
           <a:prstGeom prst="rect">
             <a:avLst/>
@@ -3436,46 +3403,10 @@
       </p:pic>
       <p:pic>
         <p:nvPicPr>
-          <p:cNvPr id="56" name="Picture 55">
-            <a:extLst>
-              <a:ext uri="{FF2B5EF4-FFF2-40B4-BE49-F238E27FC236}">
-                <a16:creationId xmlns:a16="http://schemas.microsoft.com/office/drawing/2014/main" id="{4CC7226F-732A-B9CA-8F50-FC6E92D3C232}"/>
-              </a:ext>
-            </a:extLst>
-          </p:cNvPr>
-          <p:cNvPicPr>
-            <a:picLocks noChangeAspect="1"/>
-          </p:cNvPicPr>
-          <p:nvPr/>
-        </p:nvPicPr>
-        <p:blipFill>
-          <a:blip r:embed="rId5">
-            <a:extLst>
-              <a:ext uri="{28A0092B-C50C-407E-A947-70E740481C1C}">
-                <a14:useLocalDpi xmlns:a14="http://schemas.microsoft.com/office/drawing/2010/main" val="0"/>
-              </a:ext>
-            </a:extLst>
-          </a:blip>
-          <a:stretch>
-            <a:fillRect/>
-          </a:stretch>
-        </p:blipFill>
-        <p:spPr>
-          <a:xfrm>
-            <a:off x="6143350" y="2282462"/>
-            <a:ext cx="3031343" cy="2273507"/>
-          </a:xfrm>
-          <a:prstGeom prst="rect">
-            <a:avLst/>
-          </a:prstGeom>
-        </p:spPr>
-      </p:pic>
-      <p:pic>
-        <p:nvPicPr>
-          <p:cNvPr id="54" name="Picture 53">
-            <a:extLst>
-              <a:ext uri="{FF2B5EF4-FFF2-40B4-BE49-F238E27FC236}">
-                <a16:creationId xmlns:a16="http://schemas.microsoft.com/office/drawing/2014/main" id="{6298F077-D40C-6CA4-6B63-77330358B318}"/>
+          <p:cNvPr id="10" name="Graphic 9">
+            <a:extLst>
+              <a:ext uri="{FF2B5EF4-FFF2-40B4-BE49-F238E27FC236}">
+                <a16:creationId xmlns:a16="http://schemas.microsoft.com/office/drawing/2014/main" id="{7CE90893-9AAE-83BE-A1CB-019E580A8CED}"/>
               </a:ext>
             </a:extLst>
           </p:cNvPr>
@@ -3487,8 +3418,8 @@
         <p:blipFill>
           <a:blip r:embed="rId6">
             <a:extLst>
-              <a:ext uri="{28A0092B-C50C-407E-A947-70E740481C1C}">
-                <a14:useLocalDpi xmlns:a14="http://schemas.microsoft.com/office/drawing/2010/main" val="0"/>
+              <a:ext uri="{96DAC541-7B7A-43D3-8B79-37D633B846F1}">
+                <asvg:svgBlip xmlns:asvg="http://schemas.microsoft.com/office/drawing/2016/SVG/main" r:embed="rId7"/>
               </a:ext>
             </a:extLst>
           </a:blip>
@@ -3498,8 +3429,8 @@
         </p:blipFill>
         <p:spPr>
           <a:xfrm>
-            <a:off x="9163619" y="4500"/>
-            <a:ext cx="3031343" cy="2273507"/>
+            <a:off x="4496599" y="555482"/>
+            <a:ext cx="3069356" cy="2302017"/>
           </a:xfrm>
           <a:prstGeom prst="rect">
             <a:avLst/>
@@ -3508,46 +3439,10 @@
       </p:pic>
       <p:pic>
         <p:nvPicPr>
-          <p:cNvPr id="52" name="Picture 51">
-            <a:extLst>
-              <a:ext uri="{FF2B5EF4-FFF2-40B4-BE49-F238E27FC236}">
-                <a16:creationId xmlns:a16="http://schemas.microsoft.com/office/drawing/2014/main" id="{B77D8D31-4F9B-AEAD-B88A-224553B7A34A}"/>
-              </a:ext>
-            </a:extLst>
-          </p:cNvPr>
-          <p:cNvPicPr>
-            <a:picLocks noChangeAspect="1"/>
-          </p:cNvPicPr>
-          <p:nvPr/>
-        </p:nvPicPr>
-        <p:blipFill>
-          <a:blip r:embed="rId7">
-            <a:extLst>
-              <a:ext uri="{28A0092B-C50C-407E-A947-70E740481C1C}">
-                <a14:useLocalDpi xmlns:a14="http://schemas.microsoft.com/office/drawing/2010/main" val="0"/>
-              </a:ext>
-            </a:extLst>
-          </a:blip>
-          <a:stretch>
-            <a:fillRect/>
-          </a:stretch>
-        </p:blipFill>
-        <p:spPr>
-          <a:xfrm>
-            <a:off x="6141155" y="13440"/>
-            <a:ext cx="3025426" cy="2269069"/>
-          </a:xfrm>
-          <a:prstGeom prst="rect">
-            <a:avLst/>
-          </a:prstGeom>
-        </p:spPr>
-      </p:pic>
-      <p:pic>
-        <p:nvPicPr>
-          <p:cNvPr id="5" name="Picture 4">
-            <a:extLst>
-              <a:ext uri="{FF2B5EF4-FFF2-40B4-BE49-F238E27FC236}">
-                <a16:creationId xmlns:a16="http://schemas.microsoft.com/office/drawing/2014/main" id="{4BEF1845-3431-D3EE-4EBF-6E42A5D36346}"/>
+          <p:cNvPr id="12" name="Graphic 11">
+            <a:extLst>
+              <a:ext uri="{FF2B5EF4-FFF2-40B4-BE49-F238E27FC236}">
+                <a16:creationId xmlns:a16="http://schemas.microsoft.com/office/drawing/2014/main" id="{EADBA7BD-BFBA-3F32-652F-D4FC20900975}"/>
               </a:ext>
             </a:extLst>
           </p:cNvPr>
@@ -3559,8 +3454,8 @@
         <p:blipFill>
           <a:blip r:embed="rId8">
             <a:extLst>
-              <a:ext uri="{28A0092B-C50C-407E-A947-70E740481C1C}">
-                <a14:useLocalDpi xmlns:a14="http://schemas.microsoft.com/office/drawing/2010/main" val="0"/>
+              <a:ext uri="{96DAC541-7B7A-43D3-8B79-37D633B846F1}">
+                <asvg:svgBlip xmlns:asvg="http://schemas.microsoft.com/office/drawing/2016/SVG/main" r:embed="rId9"/>
               </a:ext>
             </a:extLst>
           </a:blip>
@@ -3570,92 +3465,20 @@
         </p:blipFill>
         <p:spPr>
           <a:xfrm>
-            <a:off x="818445" y="3365501"/>
-            <a:ext cx="4656665" cy="3492499"/>
+            <a:off x="8688021" y="555482"/>
+            <a:ext cx="3069357" cy="2302018"/>
           </a:xfrm>
           <a:prstGeom prst="rect">
             <a:avLst/>
           </a:prstGeom>
         </p:spPr>
       </p:pic>
-      <p:pic>
-        <p:nvPicPr>
-          <p:cNvPr id="7" name="Picture 6">
-            <a:extLst>
-              <a:ext uri="{FF2B5EF4-FFF2-40B4-BE49-F238E27FC236}">
-                <a16:creationId xmlns:a16="http://schemas.microsoft.com/office/drawing/2014/main" id="{0534C5AD-8A41-2495-8D36-E136FA45D8A5}"/>
-              </a:ext>
-            </a:extLst>
-          </p:cNvPr>
-          <p:cNvPicPr>
-            <a:picLocks noChangeAspect="1"/>
-          </p:cNvPicPr>
-          <p:nvPr/>
-        </p:nvPicPr>
-        <p:blipFill>
-          <a:blip r:embed="rId9">
-            <a:extLst>
-              <a:ext uri="{28A0092B-C50C-407E-A947-70E740481C1C}">
-                <a14:useLocalDpi xmlns:a14="http://schemas.microsoft.com/office/drawing/2010/main" val="0"/>
-              </a:ext>
-            </a:extLst>
-          </a:blip>
-          <a:stretch>
-            <a:fillRect/>
-          </a:stretch>
-        </p:blipFill>
-        <p:spPr>
-          <a:xfrm>
-            <a:off x="-1" y="2"/>
-            <a:ext cx="3025422" cy="2269066"/>
-          </a:xfrm>
-          <a:prstGeom prst="rect">
-            <a:avLst/>
-          </a:prstGeom>
-        </p:spPr>
-      </p:pic>
-      <p:pic>
-        <p:nvPicPr>
-          <p:cNvPr id="9" name="Picture 8">
-            <a:extLst>
-              <a:ext uri="{FF2B5EF4-FFF2-40B4-BE49-F238E27FC236}">
-                <a16:creationId xmlns:a16="http://schemas.microsoft.com/office/drawing/2014/main" id="{71B916D9-F193-F1F7-9981-704F2191F258}"/>
-              </a:ext>
-            </a:extLst>
-          </p:cNvPr>
-          <p:cNvPicPr>
-            <a:picLocks noChangeAspect="1"/>
-          </p:cNvPicPr>
-          <p:nvPr/>
-        </p:nvPicPr>
-        <p:blipFill>
-          <a:blip r:embed="rId10">
-            <a:extLst>
-              <a:ext uri="{28A0092B-C50C-407E-A947-70E740481C1C}">
-                <a14:useLocalDpi xmlns:a14="http://schemas.microsoft.com/office/drawing/2010/main" val="0"/>
-              </a:ext>
-            </a:extLst>
-          </a:blip>
-          <a:stretch>
-            <a:fillRect/>
-          </a:stretch>
-        </p:blipFill>
-        <p:spPr>
-          <a:xfrm>
-            <a:off x="3025419" y="0"/>
-            <a:ext cx="3025422" cy="2269067"/>
-          </a:xfrm>
-          <a:prstGeom prst="rect">
-            <a:avLst/>
-          </a:prstGeom>
-        </p:spPr>
-      </p:pic>
-      <p:sp>
-        <p:nvSpPr>
-          <p:cNvPr id="23" name="Rectangle 22">
-            <a:extLst>
-              <a:ext uri="{FF2B5EF4-FFF2-40B4-BE49-F238E27FC236}">
-                <a16:creationId xmlns:a16="http://schemas.microsoft.com/office/drawing/2014/main" id="{89611FDC-4EC5-42E3-F610-F1ACF0286A77}"/>
+      <p:sp>
+        <p:nvSpPr>
+          <p:cNvPr id="13" name="Rectangle 12">
+            <a:extLst>
+              <a:ext uri="{FF2B5EF4-FFF2-40B4-BE49-F238E27FC236}">
+                <a16:creationId xmlns:a16="http://schemas.microsoft.com/office/drawing/2014/main" id="{F446A8A9-25E6-609C-2FAE-AB889A1C5982}"/>
               </a:ext>
             </a:extLst>
           </p:cNvPr>
@@ -3664,14 +3487,14 @@
         </p:nvSpPr>
         <p:spPr>
           <a:xfrm>
-            <a:off x="2037641" y="3788304"/>
-            <a:ext cx="108834" cy="111126"/>
+            <a:off x="5435600" y="3259667"/>
+            <a:ext cx="347133" cy="414866"/>
           </a:xfrm>
           <a:prstGeom prst="rect">
             <a:avLst/>
           </a:prstGeom>
           <a:noFill/>
-          <a:ln w="12700">
+          <a:ln w="19050">
             <a:solidFill>
               <a:srgbClr val="FF0000"/>
             </a:solidFill>
@@ -3704,10 +3527,10 @@
       </p:sp>
       <p:sp>
         <p:nvSpPr>
-          <p:cNvPr id="25" name="Rectangle 24">
-            <a:extLst>
-              <a:ext uri="{FF2B5EF4-FFF2-40B4-BE49-F238E27FC236}">
-                <a16:creationId xmlns:a16="http://schemas.microsoft.com/office/drawing/2014/main" id="{E1F95F40-450F-BE13-9FD6-998EB0A6E8C1}"/>
+          <p:cNvPr id="14" name="Rectangle 13">
+            <a:extLst>
+              <a:ext uri="{FF2B5EF4-FFF2-40B4-BE49-F238E27FC236}">
+                <a16:creationId xmlns:a16="http://schemas.microsoft.com/office/drawing/2014/main" id="{1D71C60B-A279-7293-9326-E7B0C40A2562}"/>
               </a:ext>
             </a:extLst>
           </p:cNvPr>
@@ -3716,14 +3539,14 @@
         </p:nvSpPr>
         <p:spPr>
           <a:xfrm>
-            <a:off x="2052413" y="3937871"/>
-            <a:ext cx="108834" cy="111126"/>
+            <a:off x="434622" y="555480"/>
+            <a:ext cx="3069356" cy="2302017"/>
           </a:xfrm>
           <a:prstGeom prst="rect">
             <a:avLst/>
           </a:prstGeom>
           <a:noFill/>
-          <a:ln w="12700">
+          <a:ln w="19050">
             <a:solidFill>
               <a:srgbClr val="FF0000"/>
             </a:solidFill>
@@ -3756,10 +3579,10 @@
       </p:sp>
       <p:sp>
         <p:nvSpPr>
-          <p:cNvPr id="26" name="Rectangle 25">
-            <a:extLst>
-              <a:ext uri="{FF2B5EF4-FFF2-40B4-BE49-F238E27FC236}">
-                <a16:creationId xmlns:a16="http://schemas.microsoft.com/office/drawing/2014/main" id="{6A20ED51-3F3E-9A71-1E5C-2FBD47592443}"/>
+          <p:cNvPr id="15" name="Rectangle 14">
+            <a:extLst>
+              <a:ext uri="{FF2B5EF4-FFF2-40B4-BE49-F238E27FC236}">
+                <a16:creationId xmlns:a16="http://schemas.microsoft.com/office/drawing/2014/main" id="{9889A5FF-90B6-3791-0332-9E3CB33694B7}"/>
               </a:ext>
             </a:extLst>
           </p:cNvPr>
@@ -3768,14 +3591,14 @@
         </p:nvSpPr>
         <p:spPr>
           <a:xfrm>
-            <a:off x="1846697" y="3732741"/>
-            <a:ext cx="108834" cy="111126"/>
+            <a:off x="4561321" y="555480"/>
+            <a:ext cx="3069356" cy="2302017"/>
           </a:xfrm>
           <a:prstGeom prst="rect">
             <a:avLst/>
           </a:prstGeom>
           <a:noFill/>
-          <a:ln w="12700">
+          <a:ln w="19050">
             <a:solidFill>
               <a:srgbClr val="FF0000"/>
             </a:solidFill>
@@ -3808,10 +3631,10 @@
       </p:sp>
       <p:sp>
         <p:nvSpPr>
-          <p:cNvPr id="27" name="Rectangle 26">
-            <a:extLst>
-              <a:ext uri="{FF2B5EF4-FFF2-40B4-BE49-F238E27FC236}">
-                <a16:creationId xmlns:a16="http://schemas.microsoft.com/office/drawing/2014/main" id="{EA1782FF-26FF-61A3-7BBE-20E61A183AC9}"/>
+          <p:cNvPr id="16" name="Rectangle 15">
+            <a:extLst>
+              <a:ext uri="{FF2B5EF4-FFF2-40B4-BE49-F238E27FC236}">
+                <a16:creationId xmlns:a16="http://schemas.microsoft.com/office/drawing/2014/main" id="{E4D9EC34-2CA5-0DC5-D185-896A7FF92F3E}"/>
               </a:ext>
             </a:extLst>
           </p:cNvPr>
@@ -3820,14 +3643,14 @@
         </p:nvSpPr>
         <p:spPr>
           <a:xfrm>
-            <a:off x="2621841" y="4216929"/>
-            <a:ext cx="108834" cy="111126"/>
+            <a:off x="8688022" y="555480"/>
+            <a:ext cx="3069356" cy="2302017"/>
           </a:xfrm>
           <a:prstGeom prst="rect">
             <a:avLst/>
           </a:prstGeom>
           <a:noFill/>
-          <a:ln w="12700">
+          <a:ln w="19050">
             <a:solidFill>
               <a:srgbClr val="FF0000"/>
             </a:solidFill>
@@ -3860,10 +3683,10 @@
       </p:sp>
       <p:sp>
         <p:nvSpPr>
-          <p:cNvPr id="28" name="Rectangle 27">
-            <a:extLst>
-              <a:ext uri="{FF2B5EF4-FFF2-40B4-BE49-F238E27FC236}">
-                <a16:creationId xmlns:a16="http://schemas.microsoft.com/office/drawing/2014/main" id="{40E6E3E6-8CF7-CAF0-4801-F2C72A6B5DFD}"/>
+          <p:cNvPr id="17" name="Rectangle 16">
+            <a:extLst>
+              <a:ext uri="{FF2B5EF4-FFF2-40B4-BE49-F238E27FC236}">
+                <a16:creationId xmlns:a16="http://schemas.microsoft.com/office/drawing/2014/main" id="{CBBAE311-4CE5-1B04-13BB-CCD7F08B7D95}"/>
               </a:ext>
             </a:extLst>
           </p:cNvPr>
@@ -3872,14 +3695,14 @@
         </p:nvSpPr>
         <p:spPr>
           <a:xfrm>
-            <a:off x="2644066" y="4372504"/>
-            <a:ext cx="108834" cy="111126"/>
+            <a:off x="6612466" y="4476751"/>
+            <a:ext cx="347133" cy="414866"/>
           </a:xfrm>
           <a:prstGeom prst="rect">
             <a:avLst/>
           </a:prstGeom>
           <a:noFill/>
-          <a:ln w="12700">
+          <a:ln w="19050">
             <a:solidFill>
               <a:srgbClr val="FF0000"/>
             </a:solidFill>
@@ -3912,10 +3735,10 @@
       </p:sp>
       <p:sp>
         <p:nvSpPr>
-          <p:cNvPr id="29" name="Rectangle 28">
-            <a:extLst>
-              <a:ext uri="{FF2B5EF4-FFF2-40B4-BE49-F238E27FC236}">
-                <a16:creationId xmlns:a16="http://schemas.microsoft.com/office/drawing/2014/main" id="{BEE61C0B-3DFE-BBD5-EA97-49411D5D2C38}"/>
+          <p:cNvPr id="18" name="Rectangle 17">
+            <a:extLst>
+              <a:ext uri="{FF2B5EF4-FFF2-40B4-BE49-F238E27FC236}">
+                <a16:creationId xmlns:a16="http://schemas.microsoft.com/office/drawing/2014/main" id="{E9ED2A16-C2F5-375D-7469-0F7507A26CCF}"/>
               </a:ext>
             </a:extLst>
           </p:cNvPr>
@@ -3924,14 +3747,14 @@
         </p:nvSpPr>
         <p:spPr>
           <a:xfrm>
-            <a:off x="3146777" y="4613804"/>
-            <a:ext cx="108834" cy="111126"/>
+            <a:off x="8001000" y="5842000"/>
+            <a:ext cx="347133" cy="414866"/>
           </a:xfrm>
           <a:prstGeom prst="rect">
             <a:avLst/>
           </a:prstGeom>
           <a:noFill/>
-          <a:ln w="12700">
+          <a:ln w="19050">
             <a:solidFill>
               <a:srgbClr val="FF0000"/>
             </a:solidFill>
@@ -3962,1094 +3785,32 @@
           </a:p>
         </p:txBody>
       </p:sp>
-      <p:sp>
-        <p:nvSpPr>
-          <p:cNvPr id="30" name="Rectangle 29">
-            <a:extLst>
-              <a:ext uri="{FF2B5EF4-FFF2-40B4-BE49-F238E27FC236}">
-                <a16:creationId xmlns:a16="http://schemas.microsoft.com/office/drawing/2014/main" id="{DAD0C011-B9A9-D219-AA3E-818CCC3EF87E}"/>
-              </a:ext>
-            </a:extLst>
-          </p:cNvPr>
-          <p:cNvSpPr/>
+      <p:cxnSp>
+        <p:nvCxnSpPr>
+          <p:cNvPr id="20" name="Straight Connector 19">
+            <a:extLst>
+              <a:ext uri="{FF2B5EF4-FFF2-40B4-BE49-F238E27FC236}">
+                <a16:creationId xmlns:a16="http://schemas.microsoft.com/office/drawing/2014/main" id="{5CABD01C-4082-5DD2-5FEF-A83A3C61555B}"/>
+              </a:ext>
+            </a:extLst>
+          </p:cNvPr>
+          <p:cNvCxnSpPr>
+            <a:stCxn id="14" idx="2"/>
+          </p:cNvCxnSpPr>
           <p:nvPr/>
-        </p:nvSpPr>
-        <p:spPr>
-          <a:xfrm>
-            <a:off x="3201194" y="4750329"/>
-            <a:ext cx="108834" cy="111126"/>
-          </a:xfrm>
-          <a:prstGeom prst="rect">
+        </p:nvCxnSpPr>
+        <p:spPr>
+          <a:xfrm>
+            <a:off x="1969300" y="2857497"/>
+            <a:ext cx="3466300" cy="609603"/>
+          </a:xfrm>
+          <a:prstGeom prst="line">
             <a:avLst/>
           </a:prstGeom>
-          <a:noFill/>
-          <a:ln w="12700">
+          <a:ln w="19050">
             <a:solidFill>
               <a:srgbClr val="FF0000"/>
             </a:solidFill>
-          </a:ln>
-        </p:spPr>
-        <p:style>
-          <a:lnRef idx="2">
-            <a:schemeClr val="accent1">
-              <a:shade val="15000"/>
-            </a:schemeClr>
-          </a:lnRef>
-          <a:fillRef idx="1">
-            <a:schemeClr val="accent1"/>
-          </a:fillRef>
-          <a:effectRef idx="0">
-            <a:schemeClr val="accent1"/>
-          </a:effectRef>
-          <a:fontRef idx="minor">
-            <a:schemeClr val="lt1"/>
-          </a:fontRef>
-        </p:style>
-        <p:txBody>
-          <a:bodyPr rtlCol="0" anchor="ctr"/>
-          <a:lstStyle/>
-          <a:p>
-            <a:pPr algn="ctr"/>
-            <a:endParaRPr lang="en-US"/>
-          </a:p>
-        </p:txBody>
-      </p:sp>
-      <p:sp>
-        <p:nvSpPr>
-          <p:cNvPr id="31" name="Rectangle 30">
-            <a:extLst>
-              <a:ext uri="{FF2B5EF4-FFF2-40B4-BE49-F238E27FC236}">
-                <a16:creationId xmlns:a16="http://schemas.microsoft.com/office/drawing/2014/main" id="{48A220E8-6DBD-EED1-E026-F0D137B73A4B}"/>
-              </a:ext>
-            </a:extLst>
-          </p:cNvPr>
-          <p:cNvSpPr/>
-          <p:nvPr/>
-        </p:nvSpPr>
-        <p:spPr>
-          <a:xfrm>
-            <a:off x="3821991" y="5264679"/>
-            <a:ext cx="108834" cy="111126"/>
-          </a:xfrm>
-          <a:prstGeom prst="rect">
-            <a:avLst/>
-          </a:prstGeom>
-          <a:noFill/>
-          <a:ln w="12700">
-            <a:solidFill>
-              <a:srgbClr val="FF0000"/>
-            </a:solidFill>
-          </a:ln>
-        </p:spPr>
-        <p:style>
-          <a:lnRef idx="2">
-            <a:schemeClr val="accent1">
-              <a:shade val="15000"/>
-            </a:schemeClr>
-          </a:lnRef>
-          <a:fillRef idx="1">
-            <a:schemeClr val="accent1"/>
-          </a:fillRef>
-          <a:effectRef idx="0">
-            <a:schemeClr val="accent1"/>
-          </a:effectRef>
-          <a:fontRef idx="minor">
-            <a:schemeClr val="lt1"/>
-          </a:fontRef>
-        </p:style>
-        <p:txBody>
-          <a:bodyPr rtlCol="0" anchor="ctr"/>
-          <a:lstStyle/>
-          <a:p>
-            <a:pPr algn="ctr"/>
-            <a:endParaRPr lang="en-US"/>
-          </a:p>
-        </p:txBody>
-      </p:sp>
-      <p:sp>
-        <p:nvSpPr>
-          <p:cNvPr id="32" name="TextBox 31">
-            <a:extLst>
-              <a:ext uri="{FF2B5EF4-FFF2-40B4-BE49-F238E27FC236}">
-                <a16:creationId xmlns:a16="http://schemas.microsoft.com/office/drawing/2014/main" id="{8A8B8AC1-43E8-FDE6-CA0F-C828D0AEA8A1}"/>
-              </a:ext>
-            </a:extLst>
-          </p:cNvPr>
-          <p:cNvSpPr txBox="1"/>
-          <p:nvPr/>
-        </p:nvSpPr>
-        <p:spPr>
-          <a:xfrm>
-            <a:off x="428888" y="110152"/>
-            <a:ext cx="276038" cy="307777"/>
-          </a:xfrm>
-          <a:prstGeom prst="rect">
-            <a:avLst/>
-          </a:prstGeom>
-          <a:noFill/>
-        </p:spPr>
-        <p:txBody>
-          <a:bodyPr wrap="none" rtlCol="0">
-            <a:spAutoFit/>
-          </a:bodyPr>
-          <a:lstStyle/>
-          <a:p>
-            <a:r>
-              <a:rPr lang="en-US" sz="1400" dirty="0">
-                <a:solidFill>
-                  <a:srgbClr val="FF0000"/>
-                </a:solidFill>
-              </a:rPr>
-              <a:t>1</a:t>
-            </a:r>
-          </a:p>
-        </p:txBody>
-      </p:sp>
-      <p:sp>
-        <p:nvSpPr>
-          <p:cNvPr id="34" name="TextBox 33">
-            <a:extLst>
-              <a:ext uri="{FF2B5EF4-FFF2-40B4-BE49-F238E27FC236}">
-                <a16:creationId xmlns:a16="http://schemas.microsoft.com/office/drawing/2014/main" id="{52AADFA6-3610-34F8-325D-651F9F55A108}"/>
-              </a:ext>
-            </a:extLst>
-          </p:cNvPr>
-          <p:cNvSpPr txBox="1"/>
-          <p:nvPr/>
-        </p:nvSpPr>
-        <p:spPr>
-          <a:xfrm>
-            <a:off x="3454310" y="110153"/>
-            <a:ext cx="276038" cy="307777"/>
-          </a:xfrm>
-          <a:prstGeom prst="rect">
-            <a:avLst/>
-          </a:prstGeom>
-          <a:noFill/>
-        </p:spPr>
-        <p:txBody>
-          <a:bodyPr wrap="none" rtlCol="0">
-            <a:spAutoFit/>
-          </a:bodyPr>
-          <a:lstStyle/>
-          <a:p>
-            <a:r>
-              <a:rPr lang="en-US" sz="1400" dirty="0">
-                <a:solidFill>
-                  <a:srgbClr val="FF0000"/>
-                </a:solidFill>
-              </a:rPr>
-              <a:t>2</a:t>
-            </a:r>
-          </a:p>
-        </p:txBody>
-      </p:sp>
-      <p:sp>
-        <p:nvSpPr>
-          <p:cNvPr id="35" name="TextBox 34">
-            <a:extLst>
-              <a:ext uri="{FF2B5EF4-FFF2-40B4-BE49-F238E27FC236}">
-                <a16:creationId xmlns:a16="http://schemas.microsoft.com/office/drawing/2014/main" id="{F7C6E133-9600-909F-CE2D-EE80BA32DFDA}"/>
-              </a:ext>
-            </a:extLst>
-          </p:cNvPr>
-          <p:cNvSpPr txBox="1"/>
-          <p:nvPr/>
-        </p:nvSpPr>
-        <p:spPr>
-          <a:xfrm>
-            <a:off x="6570044" y="110154"/>
-            <a:ext cx="276038" cy="307777"/>
-          </a:xfrm>
-          <a:prstGeom prst="rect">
-            <a:avLst/>
-          </a:prstGeom>
-          <a:noFill/>
-        </p:spPr>
-        <p:txBody>
-          <a:bodyPr wrap="none" rtlCol="0">
-            <a:spAutoFit/>
-          </a:bodyPr>
-          <a:lstStyle/>
-          <a:p>
-            <a:r>
-              <a:rPr lang="en-US" sz="1400" dirty="0">
-                <a:solidFill>
-                  <a:srgbClr val="FF0000"/>
-                </a:solidFill>
-              </a:rPr>
-              <a:t>3</a:t>
-            </a:r>
-          </a:p>
-        </p:txBody>
-      </p:sp>
-      <p:sp>
-        <p:nvSpPr>
-          <p:cNvPr id="36" name="TextBox 35">
-            <a:extLst>
-              <a:ext uri="{FF2B5EF4-FFF2-40B4-BE49-F238E27FC236}">
-                <a16:creationId xmlns:a16="http://schemas.microsoft.com/office/drawing/2014/main" id="{CD6541D6-9002-E24B-3A26-88F3615BE34E}"/>
-              </a:ext>
-            </a:extLst>
-          </p:cNvPr>
-          <p:cNvSpPr txBox="1"/>
-          <p:nvPr/>
-        </p:nvSpPr>
-        <p:spPr>
-          <a:xfrm>
-            <a:off x="9652000" y="113579"/>
-            <a:ext cx="276038" cy="307777"/>
-          </a:xfrm>
-          <a:prstGeom prst="rect">
-            <a:avLst/>
-          </a:prstGeom>
-          <a:noFill/>
-        </p:spPr>
-        <p:txBody>
-          <a:bodyPr wrap="none" rtlCol="0">
-            <a:spAutoFit/>
-          </a:bodyPr>
-          <a:lstStyle/>
-          <a:p>
-            <a:r>
-              <a:rPr lang="en-US" sz="1400" dirty="0">
-                <a:solidFill>
-                  <a:srgbClr val="FF0000"/>
-                </a:solidFill>
-              </a:rPr>
-              <a:t>4</a:t>
-            </a:r>
-          </a:p>
-        </p:txBody>
-      </p:sp>
-      <p:sp>
-        <p:nvSpPr>
-          <p:cNvPr id="37" name="TextBox 36">
-            <a:extLst>
-              <a:ext uri="{FF2B5EF4-FFF2-40B4-BE49-F238E27FC236}">
-                <a16:creationId xmlns:a16="http://schemas.microsoft.com/office/drawing/2014/main" id="{632C3EF0-04E2-1390-F2BD-BBA2C277A415}"/>
-              </a:ext>
-            </a:extLst>
-          </p:cNvPr>
-          <p:cNvSpPr txBox="1"/>
-          <p:nvPr/>
-        </p:nvSpPr>
-        <p:spPr>
-          <a:xfrm>
-            <a:off x="6570044" y="2370500"/>
-            <a:ext cx="276038" cy="307777"/>
-          </a:xfrm>
-          <a:prstGeom prst="rect">
-            <a:avLst/>
-          </a:prstGeom>
-          <a:noFill/>
-        </p:spPr>
-        <p:txBody>
-          <a:bodyPr wrap="none" rtlCol="0">
-            <a:spAutoFit/>
-          </a:bodyPr>
-          <a:lstStyle/>
-          <a:p>
-            <a:r>
-              <a:rPr lang="en-US" sz="1400" dirty="0">
-                <a:solidFill>
-                  <a:srgbClr val="FF0000"/>
-                </a:solidFill>
-              </a:rPr>
-              <a:t>5</a:t>
-            </a:r>
-          </a:p>
-        </p:txBody>
-      </p:sp>
-      <p:sp>
-        <p:nvSpPr>
-          <p:cNvPr id="38" name="TextBox 37">
-            <a:extLst>
-              <a:ext uri="{FF2B5EF4-FFF2-40B4-BE49-F238E27FC236}">
-                <a16:creationId xmlns:a16="http://schemas.microsoft.com/office/drawing/2014/main" id="{92735B35-3463-E23E-85E6-0ABCF2CAD7FC}"/>
-              </a:ext>
-            </a:extLst>
-          </p:cNvPr>
-          <p:cNvSpPr txBox="1"/>
-          <p:nvPr/>
-        </p:nvSpPr>
-        <p:spPr>
-          <a:xfrm>
-            <a:off x="9652000" y="2370501"/>
-            <a:ext cx="276038" cy="307777"/>
-          </a:xfrm>
-          <a:prstGeom prst="rect">
-            <a:avLst/>
-          </a:prstGeom>
-          <a:noFill/>
-        </p:spPr>
-        <p:txBody>
-          <a:bodyPr wrap="none" rtlCol="0">
-            <a:spAutoFit/>
-          </a:bodyPr>
-          <a:lstStyle/>
-          <a:p>
-            <a:r>
-              <a:rPr lang="en-US" sz="1400" dirty="0">
-                <a:solidFill>
-                  <a:srgbClr val="FF0000"/>
-                </a:solidFill>
-              </a:rPr>
-              <a:t>6</a:t>
-            </a:r>
-          </a:p>
-        </p:txBody>
-      </p:sp>
-      <p:sp>
-        <p:nvSpPr>
-          <p:cNvPr id="39" name="TextBox 38">
-            <a:extLst>
-              <a:ext uri="{FF2B5EF4-FFF2-40B4-BE49-F238E27FC236}">
-                <a16:creationId xmlns:a16="http://schemas.microsoft.com/office/drawing/2014/main" id="{4B3BE9B6-67B0-4866-7D17-8777A4B696F4}"/>
-              </a:ext>
-            </a:extLst>
-          </p:cNvPr>
-          <p:cNvSpPr txBox="1"/>
-          <p:nvPr/>
-        </p:nvSpPr>
-        <p:spPr>
-          <a:xfrm>
-            <a:off x="6570044" y="4652003"/>
-            <a:ext cx="276038" cy="307777"/>
-          </a:xfrm>
-          <a:prstGeom prst="rect">
-            <a:avLst/>
-          </a:prstGeom>
-          <a:noFill/>
-        </p:spPr>
-        <p:txBody>
-          <a:bodyPr wrap="none" rtlCol="0">
-            <a:spAutoFit/>
-          </a:bodyPr>
-          <a:lstStyle/>
-          <a:p>
-            <a:r>
-              <a:rPr lang="en-US" sz="1400" dirty="0">
-                <a:solidFill>
-                  <a:srgbClr val="FF0000"/>
-                </a:solidFill>
-              </a:rPr>
-              <a:t>7</a:t>
-            </a:r>
-          </a:p>
-        </p:txBody>
-      </p:sp>
-      <p:sp>
-        <p:nvSpPr>
-          <p:cNvPr id="40" name="TextBox 39">
-            <a:extLst>
-              <a:ext uri="{FF2B5EF4-FFF2-40B4-BE49-F238E27FC236}">
-                <a16:creationId xmlns:a16="http://schemas.microsoft.com/office/drawing/2014/main" id="{95D28C50-7750-18B2-ACDB-321C0E6751E7}"/>
-              </a:ext>
-            </a:extLst>
-          </p:cNvPr>
-          <p:cNvSpPr txBox="1"/>
-          <p:nvPr/>
-        </p:nvSpPr>
-        <p:spPr>
-          <a:xfrm>
-            <a:off x="9652000" y="4652002"/>
-            <a:ext cx="276038" cy="307777"/>
-          </a:xfrm>
-          <a:prstGeom prst="rect">
-            <a:avLst/>
-          </a:prstGeom>
-          <a:noFill/>
-        </p:spPr>
-        <p:txBody>
-          <a:bodyPr wrap="none" rtlCol="0">
-            <a:spAutoFit/>
-          </a:bodyPr>
-          <a:lstStyle/>
-          <a:p>
-            <a:r>
-              <a:rPr lang="en-US" sz="1400" dirty="0">
-                <a:solidFill>
-                  <a:srgbClr val="FF0000"/>
-                </a:solidFill>
-              </a:rPr>
-              <a:t>8</a:t>
-            </a:r>
-          </a:p>
-        </p:txBody>
-      </p:sp>
-      <p:sp>
-        <p:nvSpPr>
-          <p:cNvPr id="41" name="TextBox 40">
-            <a:extLst>
-              <a:ext uri="{FF2B5EF4-FFF2-40B4-BE49-F238E27FC236}">
-                <a16:creationId xmlns:a16="http://schemas.microsoft.com/office/drawing/2014/main" id="{653A9C48-55B9-9F6D-6DFE-1D6A941F80E7}"/>
-              </a:ext>
-            </a:extLst>
-          </p:cNvPr>
-          <p:cNvSpPr txBox="1"/>
-          <p:nvPr/>
-        </p:nvSpPr>
-        <p:spPr>
-          <a:xfrm>
-            <a:off x="1764153" y="3480527"/>
-            <a:ext cx="276038" cy="307777"/>
-          </a:xfrm>
-          <a:prstGeom prst="rect">
-            <a:avLst/>
-          </a:prstGeom>
-          <a:noFill/>
-        </p:spPr>
-        <p:txBody>
-          <a:bodyPr wrap="none" rtlCol="0">
-            <a:spAutoFit/>
-          </a:bodyPr>
-          <a:lstStyle/>
-          <a:p>
-            <a:r>
-              <a:rPr lang="en-US" sz="1400" dirty="0">
-                <a:solidFill>
-                  <a:srgbClr val="FF0000"/>
-                </a:solidFill>
-              </a:rPr>
-              <a:t>1</a:t>
-            </a:r>
-          </a:p>
-        </p:txBody>
-      </p:sp>
-      <p:sp>
-        <p:nvSpPr>
-          <p:cNvPr id="42" name="TextBox 41">
-            <a:extLst>
-              <a:ext uri="{FF2B5EF4-FFF2-40B4-BE49-F238E27FC236}">
-                <a16:creationId xmlns:a16="http://schemas.microsoft.com/office/drawing/2014/main" id="{F168AFA4-B601-A998-A829-2EE2DF4E8954}"/>
-              </a:ext>
-            </a:extLst>
-          </p:cNvPr>
-          <p:cNvSpPr txBox="1"/>
-          <p:nvPr/>
-        </p:nvSpPr>
-        <p:spPr>
-          <a:xfrm>
-            <a:off x="1959157" y="3517106"/>
-            <a:ext cx="276038" cy="307777"/>
-          </a:xfrm>
-          <a:prstGeom prst="rect">
-            <a:avLst/>
-          </a:prstGeom>
-          <a:noFill/>
-        </p:spPr>
-        <p:txBody>
-          <a:bodyPr wrap="none" rtlCol="0">
-            <a:spAutoFit/>
-          </a:bodyPr>
-          <a:lstStyle/>
-          <a:p>
-            <a:r>
-              <a:rPr lang="en-US" sz="1400" dirty="0">
-                <a:solidFill>
-                  <a:srgbClr val="FF0000"/>
-                </a:solidFill>
-              </a:rPr>
-              <a:t>2</a:t>
-            </a:r>
-          </a:p>
-        </p:txBody>
-      </p:sp>
-      <p:sp>
-        <p:nvSpPr>
-          <p:cNvPr id="43" name="TextBox 42">
-            <a:extLst>
-              <a:ext uri="{FF2B5EF4-FFF2-40B4-BE49-F238E27FC236}">
-                <a16:creationId xmlns:a16="http://schemas.microsoft.com/office/drawing/2014/main" id="{39C6F9E5-ED93-A222-0378-4E1D73F8C4A9}"/>
-              </a:ext>
-            </a:extLst>
-          </p:cNvPr>
-          <p:cNvSpPr txBox="1"/>
-          <p:nvPr/>
-        </p:nvSpPr>
-        <p:spPr>
-          <a:xfrm>
-            <a:off x="2086940" y="3829950"/>
-            <a:ext cx="276038" cy="307777"/>
-          </a:xfrm>
-          <a:prstGeom prst="rect">
-            <a:avLst/>
-          </a:prstGeom>
-          <a:noFill/>
-        </p:spPr>
-        <p:txBody>
-          <a:bodyPr wrap="none" rtlCol="0">
-            <a:spAutoFit/>
-          </a:bodyPr>
-          <a:lstStyle/>
-          <a:p>
-            <a:r>
-              <a:rPr lang="en-US" sz="1400">
-                <a:solidFill>
-                  <a:srgbClr val="FF0000"/>
-                </a:solidFill>
-              </a:rPr>
-              <a:t>3</a:t>
-            </a:r>
-            <a:endParaRPr lang="en-US" sz="1400" dirty="0">
-              <a:solidFill>
-                <a:srgbClr val="FF0000"/>
-              </a:solidFill>
-            </a:endParaRPr>
-          </a:p>
-        </p:txBody>
-      </p:sp>
-      <p:sp>
-        <p:nvSpPr>
-          <p:cNvPr id="44" name="TextBox 43">
-            <a:extLst>
-              <a:ext uri="{FF2B5EF4-FFF2-40B4-BE49-F238E27FC236}">
-                <a16:creationId xmlns:a16="http://schemas.microsoft.com/office/drawing/2014/main" id="{7E643268-136A-4681-0AF7-1A904EADF70C}"/>
-              </a:ext>
-            </a:extLst>
-          </p:cNvPr>
-          <p:cNvSpPr txBox="1"/>
-          <p:nvPr/>
-        </p:nvSpPr>
-        <p:spPr>
-          <a:xfrm>
-            <a:off x="2549784" y="3964416"/>
-            <a:ext cx="276038" cy="307777"/>
-          </a:xfrm>
-          <a:prstGeom prst="rect">
-            <a:avLst/>
-          </a:prstGeom>
-          <a:noFill/>
-        </p:spPr>
-        <p:txBody>
-          <a:bodyPr wrap="none" rtlCol="0">
-            <a:spAutoFit/>
-          </a:bodyPr>
-          <a:lstStyle/>
-          <a:p>
-            <a:r>
-              <a:rPr lang="en-US" sz="1400" dirty="0">
-                <a:solidFill>
-                  <a:srgbClr val="FF0000"/>
-                </a:solidFill>
-              </a:rPr>
-              <a:t>4</a:t>
-            </a:r>
-          </a:p>
-        </p:txBody>
-      </p:sp>
-      <p:sp>
-        <p:nvSpPr>
-          <p:cNvPr id="45" name="TextBox 44">
-            <a:extLst>
-              <a:ext uri="{FF2B5EF4-FFF2-40B4-BE49-F238E27FC236}">
-                <a16:creationId xmlns:a16="http://schemas.microsoft.com/office/drawing/2014/main" id="{290B0D28-7BBA-A1C5-03F0-58B96476F847}"/>
-              </a:ext>
-            </a:extLst>
-          </p:cNvPr>
-          <p:cNvSpPr txBox="1"/>
-          <p:nvPr/>
-        </p:nvSpPr>
-        <p:spPr>
-          <a:xfrm>
-            <a:off x="2697948" y="4275764"/>
-            <a:ext cx="276038" cy="307777"/>
-          </a:xfrm>
-          <a:prstGeom prst="rect">
-            <a:avLst/>
-          </a:prstGeom>
-          <a:noFill/>
-        </p:spPr>
-        <p:txBody>
-          <a:bodyPr wrap="none" rtlCol="0">
-            <a:spAutoFit/>
-          </a:bodyPr>
-          <a:lstStyle/>
-          <a:p>
-            <a:r>
-              <a:rPr lang="en-US" sz="1400" dirty="0">
-                <a:solidFill>
-                  <a:srgbClr val="FF0000"/>
-                </a:solidFill>
-              </a:rPr>
-              <a:t>5</a:t>
-            </a:r>
-          </a:p>
-        </p:txBody>
-      </p:sp>
-      <p:sp>
-        <p:nvSpPr>
-          <p:cNvPr id="46" name="TextBox 45">
-            <a:extLst>
-              <a:ext uri="{FF2B5EF4-FFF2-40B4-BE49-F238E27FC236}">
-                <a16:creationId xmlns:a16="http://schemas.microsoft.com/office/drawing/2014/main" id="{F4E2C497-B21B-F124-BDB5-21A226C4B732}"/>
-              </a:ext>
-            </a:extLst>
-          </p:cNvPr>
-          <p:cNvSpPr txBox="1"/>
-          <p:nvPr/>
-        </p:nvSpPr>
-        <p:spPr>
-          <a:xfrm>
-            <a:off x="3078676" y="4329741"/>
-            <a:ext cx="276038" cy="307777"/>
-          </a:xfrm>
-          <a:prstGeom prst="rect">
-            <a:avLst/>
-          </a:prstGeom>
-          <a:noFill/>
-        </p:spPr>
-        <p:txBody>
-          <a:bodyPr wrap="none" rtlCol="0">
-            <a:spAutoFit/>
-          </a:bodyPr>
-          <a:lstStyle/>
-          <a:p>
-            <a:r>
-              <a:rPr lang="en-US" sz="1400" dirty="0">
-                <a:solidFill>
-                  <a:srgbClr val="FF0000"/>
-                </a:solidFill>
-              </a:rPr>
-              <a:t>6</a:t>
-            </a:r>
-          </a:p>
-        </p:txBody>
-      </p:sp>
-      <p:sp>
-        <p:nvSpPr>
-          <p:cNvPr id="47" name="TextBox 46">
-            <a:extLst>
-              <a:ext uri="{FF2B5EF4-FFF2-40B4-BE49-F238E27FC236}">
-                <a16:creationId xmlns:a16="http://schemas.microsoft.com/office/drawing/2014/main" id="{693D09F0-E63B-9F26-A960-24D54E3237E4}"/>
-              </a:ext>
-            </a:extLst>
-          </p:cNvPr>
-          <p:cNvSpPr txBox="1"/>
-          <p:nvPr/>
-        </p:nvSpPr>
-        <p:spPr>
-          <a:xfrm>
-            <a:off x="3276699" y="4652003"/>
-            <a:ext cx="276038" cy="307777"/>
-          </a:xfrm>
-          <a:prstGeom prst="rect">
-            <a:avLst/>
-          </a:prstGeom>
-          <a:noFill/>
-        </p:spPr>
-        <p:txBody>
-          <a:bodyPr wrap="none" rtlCol="0">
-            <a:spAutoFit/>
-          </a:bodyPr>
-          <a:lstStyle/>
-          <a:p>
-            <a:r>
-              <a:rPr lang="en-US" sz="1400" dirty="0">
-                <a:solidFill>
-                  <a:srgbClr val="FF0000"/>
-                </a:solidFill>
-              </a:rPr>
-              <a:t>7</a:t>
-            </a:r>
-          </a:p>
-        </p:txBody>
-      </p:sp>
-      <p:sp>
-        <p:nvSpPr>
-          <p:cNvPr id="48" name="TextBox 47">
-            <a:extLst>
-              <a:ext uri="{FF2B5EF4-FFF2-40B4-BE49-F238E27FC236}">
-                <a16:creationId xmlns:a16="http://schemas.microsoft.com/office/drawing/2014/main" id="{C325622B-1CD4-DD74-6FAC-8A1416DDA099}"/>
-              </a:ext>
-            </a:extLst>
-          </p:cNvPr>
-          <p:cNvSpPr txBox="1"/>
-          <p:nvPr/>
-        </p:nvSpPr>
-        <p:spPr>
-          <a:xfrm>
-            <a:off x="3741727" y="4960739"/>
-            <a:ext cx="276038" cy="307777"/>
-          </a:xfrm>
-          <a:prstGeom prst="rect">
-            <a:avLst/>
-          </a:prstGeom>
-          <a:noFill/>
-        </p:spPr>
-        <p:txBody>
-          <a:bodyPr wrap="none" rtlCol="0">
-            <a:spAutoFit/>
-          </a:bodyPr>
-          <a:lstStyle/>
-          <a:p>
-            <a:r>
-              <a:rPr lang="en-US" sz="1400" dirty="0">
-                <a:solidFill>
-                  <a:srgbClr val="FF0000"/>
-                </a:solidFill>
-              </a:rPr>
-              <a:t>8</a:t>
-            </a:r>
-          </a:p>
-        </p:txBody>
-      </p:sp>
-      <p:sp>
-        <p:nvSpPr>
-          <p:cNvPr id="65" name="TextBox 64">
-            <a:extLst>
-              <a:ext uri="{FF2B5EF4-FFF2-40B4-BE49-F238E27FC236}">
-                <a16:creationId xmlns:a16="http://schemas.microsoft.com/office/drawing/2014/main" id="{24EFB468-9EFF-121E-415C-EA3F5755C12C}"/>
-              </a:ext>
-            </a:extLst>
-          </p:cNvPr>
-          <p:cNvSpPr txBox="1"/>
-          <p:nvPr/>
-        </p:nvSpPr>
-        <p:spPr>
-          <a:xfrm>
-            <a:off x="1868764" y="5120225"/>
-            <a:ext cx="436338" cy="261610"/>
-          </a:xfrm>
-          <a:prstGeom prst="rect">
-            <a:avLst/>
-          </a:prstGeom>
-          <a:noFill/>
-        </p:spPr>
-        <p:txBody>
-          <a:bodyPr wrap="square" rtlCol="0">
-            <a:spAutoFit/>
-          </a:bodyPr>
-          <a:lstStyle/>
-          <a:p>
-            <a:r>
-              <a:rPr lang="en-US" sz="1050" dirty="0"/>
-              <a:t>0.12</a:t>
-            </a:r>
-          </a:p>
-        </p:txBody>
-      </p:sp>
-      <p:cxnSp>
-        <p:nvCxnSpPr>
-          <p:cNvPr id="66" name="Straight Arrow Connector 65">
-            <a:extLst>
-              <a:ext uri="{FF2B5EF4-FFF2-40B4-BE49-F238E27FC236}">
-                <a16:creationId xmlns:a16="http://schemas.microsoft.com/office/drawing/2014/main" id="{E95D98CB-AE19-CBD1-0EA1-5E26B12B1756}"/>
-              </a:ext>
-            </a:extLst>
-          </p:cNvPr>
-          <p:cNvCxnSpPr/>
-          <p:nvPr/>
-        </p:nvCxnSpPr>
-        <p:spPr>
-          <a:xfrm>
-            <a:off x="2343606" y="4323392"/>
-            <a:ext cx="0" cy="996850"/>
-          </a:xfrm>
-          <a:prstGeom prst="straightConnector1">
-            <a:avLst/>
-          </a:prstGeom>
-          <a:ln>
-            <a:tailEnd type="triangle"/>
-          </a:ln>
-        </p:spPr>
-        <p:style>
-          <a:lnRef idx="1">
-            <a:schemeClr val="accent1"/>
-          </a:lnRef>
-          <a:fillRef idx="0">
-            <a:schemeClr val="accent1"/>
-          </a:fillRef>
-          <a:effectRef idx="0">
-            <a:schemeClr val="accent1"/>
-          </a:effectRef>
-          <a:fontRef idx="minor">
-            <a:schemeClr val="tx1"/>
-          </a:fontRef>
-        </p:style>
-      </p:cxnSp>
-      <p:sp>
-        <p:nvSpPr>
-          <p:cNvPr id="67" name="TextBox 66">
-            <a:extLst>
-              <a:ext uri="{FF2B5EF4-FFF2-40B4-BE49-F238E27FC236}">
-                <a16:creationId xmlns:a16="http://schemas.microsoft.com/office/drawing/2014/main" id="{30B46030-D1A3-77BA-E82F-E15CA5C547EA}"/>
-              </a:ext>
-            </a:extLst>
-          </p:cNvPr>
-          <p:cNvSpPr txBox="1"/>
-          <p:nvPr/>
-        </p:nvSpPr>
-        <p:spPr>
-          <a:xfrm>
-            <a:off x="2125437" y="5294912"/>
-            <a:ext cx="436338" cy="261610"/>
-          </a:xfrm>
-          <a:prstGeom prst="rect">
-            <a:avLst/>
-          </a:prstGeom>
-          <a:noFill/>
-        </p:spPr>
-        <p:txBody>
-          <a:bodyPr wrap="square" rtlCol="0">
-            <a:spAutoFit/>
-          </a:bodyPr>
-          <a:lstStyle/>
-          <a:p>
-            <a:r>
-              <a:rPr lang="en-US" sz="1050" dirty="0"/>
-              <a:t>0.13</a:t>
-            </a:r>
-          </a:p>
-        </p:txBody>
-      </p:sp>
-      <p:cxnSp>
-        <p:nvCxnSpPr>
-          <p:cNvPr id="68" name="Straight Arrow Connector 67">
-            <a:extLst>
-              <a:ext uri="{FF2B5EF4-FFF2-40B4-BE49-F238E27FC236}">
-                <a16:creationId xmlns:a16="http://schemas.microsoft.com/office/drawing/2014/main" id="{45FB9FB3-AAB7-D82C-AA1B-A27C5C2AEE3D}"/>
-              </a:ext>
-            </a:extLst>
-          </p:cNvPr>
-          <p:cNvCxnSpPr/>
-          <p:nvPr/>
-        </p:nvCxnSpPr>
-        <p:spPr>
-          <a:xfrm>
-            <a:off x="3147220" y="4877380"/>
-            <a:ext cx="0" cy="996850"/>
-          </a:xfrm>
-          <a:prstGeom prst="straightConnector1">
-            <a:avLst/>
-          </a:prstGeom>
-          <a:ln>
-            <a:tailEnd type="triangle"/>
-          </a:ln>
-        </p:spPr>
-        <p:style>
-          <a:lnRef idx="1">
-            <a:schemeClr val="accent1"/>
-          </a:lnRef>
-          <a:fillRef idx="0">
-            <a:schemeClr val="accent1"/>
-          </a:fillRef>
-          <a:effectRef idx="0">
-            <a:schemeClr val="accent1"/>
-          </a:effectRef>
-          <a:fontRef idx="minor">
-            <a:schemeClr val="tx1"/>
-          </a:fontRef>
-        </p:style>
-      </p:cxnSp>
-      <p:sp>
-        <p:nvSpPr>
-          <p:cNvPr id="69" name="TextBox 68">
-            <a:extLst>
-              <a:ext uri="{FF2B5EF4-FFF2-40B4-BE49-F238E27FC236}">
-                <a16:creationId xmlns:a16="http://schemas.microsoft.com/office/drawing/2014/main" id="{13834FD0-BDF5-1EC9-9327-2E2137714AAB}"/>
-              </a:ext>
-            </a:extLst>
-          </p:cNvPr>
-          <p:cNvSpPr txBox="1"/>
-          <p:nvPr/>
-        </p:nvSpPr>
-        <p:spPr>
-          <a:xfrm>
-            <a:off x="2944317" y="5835651"/>
-            <a:ext cx="436338" cy="261610"/>
-          </a:xfrm>
-          <a:prstGeom prst="rect">
-            <a:avLst/>
-          </a:prstGeom>
-          <a:noFill/>
-        </p:spPr>
-        <p:txBody>
-          <a:bodyPr wrap="square" rtlCol="0">
-            <a:spAutoFit/>
-          </a:bodyPr>
-          <a:lstStyle/>
-          <a:p>
-            <a:r>
-              <a:rPr lang="en-US" sz="1050" dirty="0"/>
-              <a:t>0.18</a:t>
-            </a:r>
-          </a:p>
-        </p:txBody>
-      </p:sp>
-      <p:cxnSp>
-        <p:nvCxnSpPr>
-          <p:cNvPr id="70" name="Straight Arrow Connector 69">
-            <a:extLst>
-              <a:ext uri="{FF2B5EF4-FFF2-40B4-BE49-F238E27FC236}">
-                <a16:creationId xmlns:a16="http://schemas.microsoft.com/office/drawing/2014/main" id="{6DE6C20E-7F38-8655-24EE-3E444B25347D}"/>
-              </a:ext>
-            </a:extLst>
-          </p:cNvPr>
-          <p:cNvCxnSpPr>
-            <a:cxnSpLocks/>
-          </p:cNvCxnSpPr>
-          <p:nvPr/>
-        </p:nvCxnSpPr>
-        <p:spPr>
-          <a:xfrm>
-            <a:off x="3930825" y="5406038"/>
-            <a:ext cx="0" cy="838931"/>
-          </a:xfrm>
-          <a:prstGeom prst="straightConnector1">
-            <a:avLst/>
-          </a:prstGeom>
-          <a:ln>
-            <a:tailEnd type="triangle"/>
-          </a:ln>
-        </p:spPr>
-        <p:style>
-          <a:lnRef idx="1">
-            <a:schemeClr val="accent1"/>
-          </a:lnRef>
-          <a:fillRef idx="0">
-            <a:schemeClr val="accent1"/>
-          </a:fillRef>
-          <a:effectRef idx="0">
-            <a:schemeClr val="accent1"/>
-          </a:effectRef>
-          <a:fontRef idx="minor">
-            <a:schemeClr val="tx1"/>
-          </a:fontRef>
-        </p:style>
-      </p:cxnSp>
-      <p:sp>
-        <p:nvSpPr>
-          <p:cNvPr id="72" name="TextBox 71">
-            <a:extLst>
-              <a:ext uri="{FF2B5EF4-FFF2-40B4-BE49-F238E27FC236}">
-                <a16:creationId xmlns:a16="http://schemas.microsoft.com/office/drawing/2014/main" id="{259AFF2E-8BDD-4C47-F6F1-4A1518AD1F8C}"/>
-              </a:ext>
-            </a:extLst>
-          </p:cNvPr>
-          <p:cNvSpPr txBox="1"/>
-          <p:nvPr/>
-        </p:nvSpPr>
-        <p:spPr>
-          <a:xfrm>
-            <a:off x="3735756" y="6191220"/>
-            <a:ext cx="436338" cy="253916"/>
-          </a:xfrm>
-          <a:prstGeom prst="rect">
-            <a:avLst/>
-          </a:prstGeom>
-          <a:noFill/>
-        </p:spPr>
-        <p:txBody>
-          <a:bodyPr wrap="square" rtlCol="0">
-            <a:spAutoFit/>
-          </a:bodyPr>
-          <a:lstStyle/>
-          <a:p>
-            <a:r>
-              <a:rPr lang="en-US" sz="1050" dirty="0"/>
-              <a:t>0.23</a:t>
-            </a:r>
-          </a:p>
-        </p:txBody>
-      </p:sp>
-      <p:cxnSp>
-        <p:nvCxnSpPr>
-          <p:cNvPr id="73" name="Straight Arrow Connector 72">
-            <a:extLst>
-              <a:ext uri="{FF2B5EF4-FFF2-40B4-BE49-F238E27FC236}">
-                <a16:creationId xmlns:a16="http://schemas.microsoft.com/office/drawing/2014/main" id="{4F2D0260-3B32-8952-939A-8FFA73CF1043}"/>
-              </a:ext>
-            </a:extLst>
-          </p:cNvPr>
-          <p:cNvCxnSpPr/>
-          <p:nvPr/>
-        </p:nvCxnSpPr>
-        <p:spPr>
-          <a:xfrm>
-            <a:off x="2779944" y="4652002"/>
-            <a:ext cx="0" cy="996850"/>
-          </a:xfrm>
-          <a:prstGeom prst="straightConnector1">
-            <a:avLst/>
-          </a:prstGeom>
-          <a:ln>
-            <a:tailEnd type="triangle"/>
-          </a:ln>
-        </p:spPr>
-        <p:style>
-          <a:lnRef idx="1">
-            <a:schemeClr val="accent1"/>
-          </a:lnRef>
-          <a:fillRef idx="0">
-            <a:schemeClr val="accent1"/>
-          </a:fillRef>
-          <a:effectRef idx="0">
-            <a:schemeClr val="accent1"/>
-          </a:effectRef>
-          <a:fontRef idx="minor">
-            <a:schemeClr val="tx1"/>
-          </a:fontRef>
-        </p:style>
-      </p:cxnSp>
-      <p:sp>
-        <p:nvSpPr>
-          <p:cNvPr id="74" name="TextBox 73">
-            <a:extLst>
-              <a:ext uri="{FF2B5EF4-FFF2-40B4-BE49-F238E27FC236}">
-                <a16:creationId xmlns:a16="http://schemas.microsoft.com/office/drawing/2014/main" id="{8D1361B0-C76C-302E-C1E3-50CA58CDB365}"/>
-              </a:ext>
-            </a:extLst>
-          </p:cNvPr>
-          <p:cNvSpPr txBox="1"/>
-          <p:nvPr/>
-        </p:nvSpPr>
-        <p:spPr>
-          <a:xfrm>
-            <a:off x="2570346" y="5656335"/>
-            <a:ext cx="436338" cy="261610"/>
-          </a:xfrm>
-          <a:prstGeom prst="rect">
-            <a:avLst/>
-          </a:prstGeom>
-          <a:noFill/>
-        </p:spPr>
-        <p:txBody>
-          <a:bodyPr wrap="square" rtlCol="0">
-            <a:spAutoFit/>
-          </a:bodyPr>
-          <a:lstStyle/>
-          <a:p>
-            <a:r>
-              <a:rPr lang="en-US" sz="1050" dirty="0"/>
-              <a:t>0.17</a:t>
-            </a:r>
-          </a:p>
-        </p:txBody>
-      </p:sp>
-      <p:cxnSp>
-        <p:nvCxnSpPr>
-          <p:cNvPr id="75" name="Straight Arrow Connector 74">
-            <a:extLst>
-              <a:ext uri="{FF2B5EF4-FFF2-40B4-BE49-F238E27FC236}">
-                <a16:creationId xmlns:a16="http://schemas.microsoft.com/office/drawing/2014/main" id="{403566D8-EA5F-9182-11D4-8CF98D092F0F}"/>
-              </a:ext>
-            </a:extLst>
-          </p:cNvPr>
-          <p:cNvCxnSpPr/>
-          <p:nvPr/>
-        </p:nvCxnSpPr>
-        <p:spPr>
-          <a:xfrm>
-            <a:off x="2090079" y="4192323"/>
-            <a:ext cx="0" cy="996850"/>
-          </a:xfrm>
-          <a:prstGeom prst="straightConnector1">
-            <a:avLst/>
-          </a:prstGeom>
-          <a:ln>
-            <a:tailEnd type="triangle"/>
           </a:ln>
         </p:spPr>
         <p:style>
@@ -5069,28 +3830,32 @@
       </p:cxnSp>
       <p:cxnSp>
         <p:nvCxnSpPr>
-          <p:cNvPr id="76" name="Straight Arrow Connector 75">
-            <a:extLst>
-              <a:ext uri="{FF2B5EF4-FFF2-40B4-BE49-F238E27FC236}">
-                <a16:creationId xmlns:a16="http://schemas.microsoft.com/office/drawing/2014/main" id="{10F7512A-04CB-C612-CDBD-0FF70A5E9003}"/>
+          <p:cNvPr id="22" name="Straight Connector 21">
+            <a:extLst>
+              <a:ext uri="{FF2B5EF4-FFF2-40B4-BE49-F238E27FC236}">
+                <a16:creationId xmlns:a16="http://schemas.microsoft.com/office/drawing/2014/main" id="{0976DABB-0691-90F6-C1D7-05FB427B8F63}"/>
               </a:ext>
             </a:extLst>
           </p:cNvPr>
           <p:cNvCxnSpPr>
             <a:cxnSpLocks/>
+            <a:stCxn id="15" idx="2"/>
+            <a:endCxn id="17" idx="0"/>
           </p:cNvCxnSpPr>
           <p:nvPr/>
         </p:nvCxnSpPr>
         <p:spPr>
           <a:xfrm>
-            <a:off x="2549784" y="4483629"/>
-            <a:ext cx="11991" cy="1072893"/>
-          </a:xfrm>
-          <a:prstGeom prst="straightConnector1">
+            <a:off x="6095999" y="2857497"/>
+            <a:ext cx="690034" cy="1619254"/>
+          </a:xfrm>
+          <a:prstGeom prst="line">
             <a:avLst/>
           </a:prstGeom>
-          <a:ln>
-            <a:tailEnd type="triangle"/>
+          <a:ln w="19050">
+            <a:solidFill>
+              <a:srgbClr val="FF0000"/>
+            </a:solidFill>
           </a:ln>
         </p:spPr>
         <p:style>
@@ -5108,65 +3873,249 @@
           </a:fontRef>
         </p:style>
       </p:cxnSp>
-      <p:sp>
-        <p:nvSpPr>
-          <p:cNvPr id="78" name="TextBox 77">
-            <a:extLst>
-              <a:ext uri="{FF2B5EF4-FFF2-40B4-BE49-F238E27FC236}">
-                <a16:creationId xmlns:a16="http://schemas.microsoft.com/office/drawing/2014/main" id="{0AF2F079-22F1-BB61-AAB8-8A97A8B21648}"/>
-              </a:ext>
-            </a:extLst>
-          </p:cNvPr>
-          <p:cNvSpPr txBox="1"/>
+      <p:cxnSp>
+        <p:nvCxnSpPr>
+          <p:cNvPr id="49" name="Straight Connector 48">
+            <a:extLst>
+              <a:ext uri="{FF2B5EF4-FFF2-40B4-BE49-F238E27FC236}">
+                <a16:creationId xmlns:a16="http://schemas.microsoft.com/office/drawing/2014/main" id="{39A5EA49-798D-AED5-951F-0FB9449E194B}"/>
+              </a:ext>
+            </a:extLst>
+          </p:cNvPr>
+          <p:cNvCxnSpPr>
+            <a:cxnSpLocks/>
+            <a:stCxn id="16" idx="2"/>
+            <a:endCxn id="18" idx="3"/>
+          </p:cNvCxnSpPr>
           <p:nvPr/>
-        </p:nvSpPr>
-        <p:spPr>
-          <a:xfrm>
-            <a:off x="2355597" y="5533660"/>
-            <a:ext cx="436338" cy="261610"/>
+        </p:nvCxnSpPr>
+        <p:spPr>
+          <a:xfrm flipH="1">
+            <a:off x="8348133" y="2857497"/>
+            <a:ext cx="1874567" cy="3191936"/>
+          </a:xfrm>
+          <a:prstGeom prst="line">
+            <a:avLst/>
+          </a:prstGeom>
+          <a:ln w="19050">
+            <a:solidFill>
+              <a:srgbClr val="FF0000"/>
+            </a:solidFill>
+          </a:ln>
+        </p:spPr>
+        <p:style>
+          <a:lnRef idx="1">
+            <a:schemeClr val="accent1"/>
+          </a:lnRef>
+          <a:fillRef idx="0">
+            <a:schemeClr val="accent1"/>
+          </a:fillRef>
+          <a:effectRef idx="0">
+            <a:schemeClr val="accent1"/>
+          </a:effectRef>
+          <a:fontRef idx="minor">
+            <a:schemeClr val="tx1"/>
+          </a:fontRef>
+        </p:style>
+      </p:cxnSp>
+    </p:spTree>
+    <p:extLst>
+      <p:ext uri="{BB962C8B-B14F-4D97-AF65-F5344CB8AC3E}">
+        <p14:creationId xmlns:p14="http://schemas.microsoft.com/office/powerpoint/2010/main" val="2726361973"/>
+      </p:ext>
+    </p:extLst>
+  </p:cSld>
+  <p:clrMapOvr>
+    <a:masterClrMapping/>
+  </p:clrMapOvr>
+</p:sld>
+</file>
+
+<file path=ppt/slides/slide2.xml><?xml version="1.0" encoding="utf-8"?>
+<p:sld xmlns:a="http://schemas.openxmlformats.org/drawingml/2006/main" xmlns:r="http://schemas.openxmlformats.org/officeDocument/2006/relationships" xmlns:p="http://schemas.openxmlformats.org/presentationml/2006/main">
+  <p:cSld>
+    <p:spTree>
+      <p:nvGrpSpPr>
+        <p:cNvPr id="1" name=""/>
+        <p:cNvGrpSpPr/>
+        <p:nvPr/>
+      </p:nvGrpSpPr>
+      <p:grpSpPr>
+        <a:xfrm>
+          <a:off x="0" y="0"/>
+          <a:ext cx="0" cy="0"/>
+          <a:chOff x="0" y="0"/>
+          <a:chExt cx="0" cy="0"/>
+        </a:xfrm>
+      </p:grpSpPr>
+      <p:pic>
+        <p:nvPicPr>
+          <p:cNvPr id="28" name="Graphic 27">
+            <a:extLst>
+              <a:ext uri="{FF2B5EF4-FFF2-40B4-BE49-F238E27FC236}">
+                <a16:creationId xmlns:a16="http://schemas.microsoft.com/office/drawing/2014/main" id="{EAA2C3EC-6ACA-CC48-4023-4DFFDFE4FE3C}"/>
+              </a:ext>
+            </a:extLst>
+          </p:cNvPr>
+          <p:cNvPicPr>
+            <a:picLocks noChangeAspect="1"/>
+          </p:cNvPicPr>
+          <p:nvPr/>
+        </p:nvPicPr>
+        <p:blipFill>
+          <a:blip r:embed="rId2">
+            <a:extLst>
+              <a:ext uri="{96DAC541-7B7A-43D3-8B79-37D633B846F1}">
+                <asvg:svgBlip xmlns:asvg="http://schemas.microsoft.com/office/drawing/2016/SVG/main" r:embed="rId3"/>
+              </a:ext>
+            </a:extLst>
+          </a:blip>
+          <a:stretch>
+            <a:fillRect/>
+          </a:stretch>
+        </p:blipFill>
+        <p:spPr>
+          <a:xfrm>
+            <a:off x="434526" y="555478"/>
+            <a:ext cx="3069356" cy="2302017"/>
+          </a:xfrm>
+          <a:prstGeom prst="rect">
+            <a:avLst/>
+          </a:prstGeom>
+        </p:spPr>
+      </p:pic>
+      <p:pic>
+        <p:nvPicPr>
+          <p:cNvPr id="30" name="Graphic 29">
+            <a:extLst>
+              <a:ext uri="{FF2B5EF4-FFF2-40B4-BE49-F238E27FC236}">
+                <a16:creationId xmlns:a16="http://schemas.microsoft.com/office/drawing/2014/main" id="{E16EBFF8-ECED-8BCD-0A73-340B462A9200}"/>
+              </a:ext>
+            </a:extLst>
+          </p:cNvPr>
+          <p:cNvPicPr>
+            <a:picLocks noChangeAspect="1"/>
+          </p:cNvPicPr>
+          <p:nvPr/>
+        </p:nvPicPr>
+        <p:blipFill>
+          <a:blip r:embed="rId4">
+            <a:extLst>
+              <a:ext uri="{96DAC541-7B7A-43D3-8B79-37D633B846F1}">
+                <asvg:svgBlip xmlns:asvg="http://schemas.microsoft.com/office/drawing/2016/SVG/main" r:embed="rId5"/>
+              </a:ext>
+            </a:extLst>
+          </a:blip>
+          <a:stretch>
+            <a:fillRect/>
+          </a:stretch>
+        </p:blipFill>
+        <p:spPr>
+          <a:xfrm>
+            <a:off x="4561227" y="577851"/>
+            <a:ext cx="3069356" cy="2302017"/>
+          </a:xfrm>
+          <a:prstGeom prst="rect">
+            <a:avLst/>
+          </a:prstGeom>
+        </p:spPr>
+      </p:pic>
+      <p:pic>
+        <p:nvPicPr>
+          <p:cNvPr id="32" name="Graphic 31">
+            <a:extLst>
+              <a:ext uri="{FF2B5EF4-FFF2-40B4-BE49-F238E27FC236}">
+                <a16:creationId xmlns:a16="http://schemas.microsoft.com/office/drawing/2014/main" id="{C2BAD434-8E52-3AE9-4EC9-9074795C7A52}"/>
+              </a:ext>
+            </a:extLst>
+          </p:cNvPr>
+          <p:cNvPicPr>
+            <a:picLocks noChangeAspect="1"/>
+          </p:cNvPicPr>
+          <p:nvPr/>
+        </p:nvPicPr>
+        <p:blipFill>
+          <a:blip r:embed="rId6">
+            <a:extLst>
+              <a:ext uri="{96DAC541-7B7A-43D3-8B79-37D633B846F1}">
+                <asvg:svgBlip xmlns:asvg="http://schemas.microsoft.com/office/drawing/2016/SVG/main" r:embed="rId7"/>
+              </a:ext>
+            </a:extLst>
+          </a:blip>
+          <a:stretch>
+            <a:fillRect/>
+          </a:stretch>
+        </p:blipFill>
+        <p:spPr>
+          <a:xfrm>
+            <a:off x="8688022" y="555479"/>
+            <a:ext cx="3069356" cy="2302017"/>
+          </a:xfrm>
+          <a:prstGeom prst="rect">
+            <a:avLst/>
+          </a:prstGeom>
+        </p:spPr>
+      </p:pic>
+      <p:pic>
+        <p:nvPicPr>
+          <p:cNvPr id="4" name="Graphic 3">
+            <a:extLst>
+              <a:ext uri="{FF2B5EF4-FFF2-40B4-BE49-F238E27FC236}">
+                <a16:creationId xmlns:a16="http://schemas.microsoft.com/office/drawing/2014/main" id="{7D213E67-5954-31C9-B8C3-9648175AF6C6}"/>
+              </a:ext>
+            </a:extLst>
+          </p:cNvPr>
+          <p:cNvPicPr>
+            <a:picLocks noChangeAspect="1"/>
+          </p:cNvPicPr>
+          <p:nvPr/>
+        </p:nvPicPr>
+        <p:blipFill>
+          <a:blip r:embed="rId8">
+            <a:extLst>
+              <a:ext uri="{96DAC541-7B7A-43D3-8B79-37D633B846F1}">
+                <asvg:svgBlip xmlns:asvg="http://schemas.microsoft.com/office/drawing/2016/SVG/main" r:embed="rId9"/>
+              </a:ext>
+            </a:extLst>
+          </a:blip>
+          <a:stretch>
+            <a:fillRect/>
+          </a:stretch>
+        </p:blipFill>
+        <p:spPr>
+          <a:xfrm>
+            <a:off x="3428999" y="2857497"/>
+            <a:ext cx="5334000" cy="4000500"/>
+          </a:xfrm>
+          <a:prstGeom prst="rect">
+            <a:avLst/>
+          </a:prstGeom>
+        </p:spPr>
+      </p:pic>
+      <p:sp>
+        <p:nvSpPr>
+          <p:cNvPr id="13" name="Rectangle 12">
+            <a:extLst>
+              <a:ext uri="{FF2B5EF4-FFF2-40B4-BE49-F238E27FC236}">
+                <a16:creationId xmlns:a16="http://schemas.microsoft.com/office/drawing/2014/main" id="{F446A8A9-25E6-609C-2FAE-AB889A1C5982}"/>
+              </a:ext>
+            </a:extLst>
+          </p:cNvPr>
+          <p:cNvSpPr/>
+          <p:nvPr/>
+        </p:nvSpPr>
+        <p:spPr>
+          <a:xfrm>
+            <a:off x="5435600" y="3442757"/>
+            <a:ext cx="347133" cy="414866"/>
           </a:xfrm>
           <a:prstGeom prst="rect">
             <a:avLst/>
           </a:prstGeom>
           <a:noFill/>
-        </p:spPr>
-        <p:txBody>
-          <a:bodyPr wrap="square" rtlCol="0">
-            <a:spAutoFit/>
-          </a:bodyPr>
-          <a:lstStyle/>
-          <a:p>
-            <a:r>
-              <a:rPr lang="en-US" sz="1050" dirty="0"/>
-              <a:t>0.15</a:t>
-            </a:r>
-          </a:p>
-        </p:txBody>
-      </p:sp>
-      <p:sp>
-        <p:nvSpPr>
-          <p:cNvPr id="79" name="Rectangle 78">
-            <a:extLst>
-              <a:ext uri="{FF2B5EF4-FFF2-40B4-BE49-F238E27FC236}">
-                <a16:creationId xmlns:a16="http://schemas.microsoft.com/office/drawing/2014/main" id="{0EB1112A-9FEB-7E23-D09C-E5D1A3AFF784}"/>
-              </a:ext>
-            </a:extLst>
-          </p:cNvPr>
-          <p:cNvSpPr/>
-          <p:nvPr/>
-        </p:nvSpPr>
-        <p:spPr>
-          <a:xfrm>
-            <a:off x="2037641" y="4081197"/>
-            <a:ext cx="108834" cy="111126"/>
-          </a:xfrm>
-          <a:prstGeom prst="rect">
-            <a:avLst/>
-          </a:prstGeom>
-          <a:noFill/>
-          <a:ln w="12700">
+          <a:ln w="19050">
             <a:solidFill>
-              <a:schemeClr val="accent1"/>
+              <a:srgbClr val="FF0000"/>
             </a:solidFill>
           </a:ln>
         </p:spPr>
@@ -5197,10 +4146,10 @@
       </p:sp>
       <p:sp>
         <p:nvSpPr>
-          <p:cNvPr id="80" name="Rectangle 79">
-            <a:extLst>
-              <a:ext uri="{FF2B5EF4-FFF2-40B4-BE49-F238E27FC236}">
-                <a16:creationId xmlns:a16="http://schemas.microsoft.com/office/drawing/2014/main" id="{D5DAC272-A8AA-3418-5B86-CDE21CA9C165}"/>
+          <p:cNvPr id="14" name="Rectangle 13">
+            <a:extLst>
+              <a:ext uri="{FF2B5EF4-FFF2-40B4-BE49-F238E27FC236}">
+                <a16:creationId xmlns:a16="http://schemas.microsoft.com/office/drawing/2014/main" id="{1D71C60B-A279-7293-9326-E7B0C40A2562}"/>
               </a:ext>
             </a:extLst>
           </p:cNvPr>
@@ -5209,16 +4158,16 @@
         </p:nvSpPr>
         <p:spPr>
           <a:xfrm>
-            <a:off x="2289189" y="4209832"/>
-            <a:ext cx="108834" cy="111126"/>
+            <a:off x="434622" y="555480"/>
+            <a:ext cx="3069356" cy="2302017"/>
           </a:xfrm>
           <a:prstGeom prst="rect">
             <a:avLst/>
           </a:prstGeom>
           <a:noFill/>
-          <a:ln w="12700">
+          <a:ln w="19050">
             <a:solidFill>
-              <a:schemeClr val="accent1"/>
+              <a:srgbClr val="FF0000"/>
             </a:solidFill>
           </a:ln>
         </p:spPr>
@@ -5249,10 +4198,10 @@
       </p:sp>
       <p:sp>
         <p:nvSpPr>
-          <p:cNvPr id="81" name="Rectangle 80">
-            <a:extLst>
-              <a:ext uri="{FF2B5EF4-FFF2-40B4-BE49-F238E27FC236}">
-                <a16:creationId xmlns:a16="http://schemas.microsoft.com/office/drawing/2014/main" id="{54368AF5-B580-5F93-766C-41C31CAC292E}"/>
+          <p:cNvPr id="15" name="Rectangle 14">
+            <a:extLst>
+              <a:ext uri="{FF2B5EF4-FFF2-40B4-BE49-F238E27FC236}">
+                <a16:creationId xmlns:a16="http://schemas.microsoft.com/office/drawing/2014/main" id="{9889A5FF-90B6-3791-0332-9E3CB33694B7}"/>
               </a:ext>
             </a:extLst>
           </p:cNvPr>
@@ -5261,16 +4210,16 @@
         </p:nvSpPr>
         <p:spPr>
           <a:xfrm>
-            <a:off x="2494087" y="4366729"/>
-            <a:ext cx="108834" cy="111126"/>
+            <a:off x="4561321" y="555480"/>
+            <a:ext cx="3069356" cy="2302017"/>
           </a:xfrm>
           <a:prstGeom prst="rect">
             <a:avLst/>
           </a:prstGeom>
           <a:noFill/>
-          <a:ln w="12700">
+          <a:ln w="19050">
             <a:solidFill>
-              <a:schemeClr val="accent1"/>
+              <a:srgbClr val="FF0000"/>
             </a:solidFill>
           </a:ln>
         </p:spPr>
@@ -5301,10 +4250,10 @@
       </p:sp>
       <p:sp>
         <p:nvSpPr>
-          <p:cNvPr id="82" name="Rectangle 81">
-            <a:extLst>
-              <a:ext uri="{FF2B5EF4-FFF2-40B4-BE49-F238E27FC236}">
-                <a16:creationId xmlns:a16="http://schemas.microsoft.com/office/drawing/2014/main" id="{B995407E-F78D-2220-2DC6-0B0691904112}"/>
+          <p:cNvPr id="16" name="Rectangle 15">
+            <a:extLst>
+              <a:ext uri="{FF2B5EF4-FFF2-40B4-BE49-F238E27FC236}">
+                <a16:creationId xmlns:a16="http://schemas.microsoft.com/office/drawing/2014/main" id="{E4D9EC34-2CA5-0DC5-D185-896A7FF92F3E}"/>
               </a:ext>
             </a:extLst>
           </p:cNvPr>
@@ -5313,16 +4262,16 @@
         </p:nvSpPr>
         <p:spPr>
           <a:xfrm>
-            <a:off x="2725527" y="4533393"/>
-            <a:ext cx="108834" cy="111126"/>
+            <a:off x="8688022" y="555480"/>
+            <a:ext cx="3069356" cy="2302017"/>
           </a:xfrm>
           <a:prstGeom prst="rect">
             <a:avLst/>
           </a:prstGeom>
           <a:noFill/>
-          <a:ln w="12700">
+          <a:ln w="19050">
             <a:solidFill>
-              <a:schemeClr val="accent1"/>
+              <a:srgbClr val="FF0000"/>
             </a:solidFill>
           </a:ln>
         </p:spPr>
@@ -5353,10 +4302,10 @@
       </p:sp>
       <p:sp>
         <p:nvSpPr>
-          <p:cNvPr id="83" name="Rectangle 82">
-            <a:extLst>
-              <a:ext uri="{FF2B5EF4-FFF2-40B4-BE49-F238E27FC236}">
-                <a16:creationId xmlns:a16="http://schemas.microsoft.com/office/drawing/2014/main" id="{5C2D5F42-B2F4-DFA7-362C-BA79271C6F50}"/>
+          <p:cNvPr id="17" name="Rectangle 16">
+            <a:extLst>
+              <a:ext uri="{FF2B5EF4-FFF2-40B4-BE49-F238E27FC236}">
+                <a16:creationId xmlns:a16="http://schemas.microsoft.com/office/drawing/2014/main" id="{CBBAE311-4CE5-1B04-13BB-CCD7F08B7D95}"/>
               </a:ext>
             </a:extLst>
           </p:cNvPr>
@@ -5365,16 +4314,16 @@
         </p:nvSpPr>
         <p:spPr>
           <a:xfrm>
-            <a:off x="3088913" y="4761271"/>
-            <a:ext cx="108834" cy="111126"/>
+            <a:off x="6718300" y="4578351"/>
+            <a:ext cx="347133" cy="414866"/>
           </a:xfrm>
           <a:prstGeom prst="rect">
             <a:avLst/>
           </a:prstGeom>
           <a:noFill/>
-          <a:ln w="12700">
+          <a:ln w="19050">
             <a:solidFill>
-              <a:schemeClr val="accent1"/>
+              <a:srgbClr val="FF0000"/>
             </a:solidFill>
           </a:ln>
         </p:spPr>
@@ -5405,10 +4354,10 @@
       </p:sp>
       <p:sp>
         <p:nvSpPr>
-          <p:cNvPr id="84" name="Rectangle 83">
-            <a:extLst>
-              <a:ext uri="{FF2B5EF4-FFF2-40B4-BE49-F238E27FC236}">
-                <a16:creationId xmlns:a16="http://schemas.microsoft.com/office/drawing/2014/main" id="{17459486-95B6-0724-6C5A-61F6B4506710}"/>
+          <p:cNvPr id="18" name="Rectangle 17">
+            <a:extLst>
+              <a:ext uri="{FF2B5EF4-FFF2-40B4-BE49-F238E27FC236}">
+                <a16:creationId xmlns:a16="http://schemas.microsoft.com/office/drawing/2014/main" id="{E9ED2A16-C2F5-375D-7469-0F7507A26CCF}"/>
               </a:ext>
             </a:extLst>
           </p:cNvPr>
@@ -5417,16 +4366,16 @@
         </p:nvSpPr>
         <p:spPr>
           <a:xfrm>
-            <a:off x="3877724" y="5294912"/>
-            <a:ext cx="108834" cy="111126"/>
+            <a:off x="7848600" y="5634567"/>
+            <a:ext cx="347133" cy="414866"/>
           </a:xfrm>
           <a:prstGeom prst="rect">
             <a:avLst/>
           </a:prstGeom>
           <a:noFill/>
-          <a:ln w="12700">
+          <a:ln w="19050">
             <a:solidFill>
-              <a:schemeClr val="accent1"/>
+              <a:srgbClr val="FF0000"/>
             </a:solidFill>
           </a:ln>
         </p:spPr>
@@ -5455,244 +4404,1387 @@
           </a:p>
         </p:txBody>
       </p:sp>
-      <p:sp>
-        <p:nvSpPr>
-          <p:cNvPr id="85" name="TextBox 84">
-            <a:extLst>
-              <a:ext uri="{FF2B5EF4-FFF2-40B4-BE49-F238E27FC236}">
-                <a16:creationId xmlns:a16="http://schemas.microsoft.com/office/drawing/2014/main" id="{0E2FD9DF-696F-C756-49B6-227A2235EB55}"/>
-              </a:ext>
-            </a:extLst>
-          </p:cNvPr>
-          <p:cNvSpPr txBox="1"/>
+      <p:cxnSp>
+        <p:nvCxnSpPr>
+          <p:cNvPr id="20" name="Straight Connector 19">
+            <a:extLst>
+              <a:ext uri="{FF2B5EF4-FFF2-40B4-BE49-F238E27FC236}">
+                <a16:creationId xmlns:a16="http://schemas.microsoft.com/office/drawing/2014/main" id="{5CABD01C-4082-5DD2-5FEF-A83A3C61555B}"/>
+              </a:ext>
+            </a:extLst>
+          </p:cNvPr>
+          <p:cNvCxnSpPr>
+            <a:cxnSpLocks/>
+            <a:stCxn id="14" idx="2"/>
+            <a:endCxn id="13" idx="1"/>
+          </p:cNvCxnSpPr>
           <p:nvPr/>
-        </p:nvSpPr>
-        <p:spPr>
-          <a:xfrm>
-            <a:off x="1823742" y="3975701"/>
-            <a:ext cx="276038" cy="307777"/>
+        </p:nvCxnSpPr>
+        <p:spPr>
+          <a:xfrm>
+            <a:off x="1969300" y="2857497"/>
+            <a:ext cx="3466300" cy="792693"/>
+          </a:xfrm>
+          <a:prstGeom prst="line">
+            <a:avLst/>
+          </a:prstGeom>
+          <a:ln w="19050">
+            <a:solidFill>
+              <a:srgbClr val="FF0000"/>
+            </a:solidFill>
+          </a:ln>
+        </p:spPr>
+        <p:style>
+          <a:lnRef idx="1">
+            <a:schemeClr val="accent1"/>
+          </a:lnRef>
+          <a:fillRef idx="0">
+            <a:schemeClr val="accent1"/>
+          </a:fillRef>
+          <a:effectRef idx="0">
+            <a:schemeClr val="accent1"/>
+          </a:effectRef>
+          <a:fontRef idx="minor">
+            <a:schemeClr val="tx1"/>
+          </a:fontRef>
+        </p:style>
+      </p:cxnSp>
+      <p:cxnSp>
+        <p:nvCxnSpPr>
+          <p:cNvPr id="22" name="Straight Connector 21">
+            <a:extLst>
+              <a:ext uri="{FF2B5EF4-FFF2-40B4-BE49-F238E27FC236}">
+                <a16:creationId xmlns:a16="http://schemas.microsoft.com/office/drawing/2014/main" id="{0976DABB-0691-90F6-C1D7-05FB427B8F63}"/>
+              </a:ext>
+            </a:extLst>
+          </p:cNvPr>
+          <p:cNvCxnSpPr>
+            <a:cxnSpLocks/>
+            <a:stCxn id="15" idx="2"/>
+            <a:endCxn id="17" idx="0"/>
+          </p:cNvCxnSpPr>
+          <p:nvPr/>
+        </p:nvCxnSpPr>
+        <p:spPr>
+          <a:xfrm>
+            <a:off x="6095999" y="2857497"/>
+            <a:ext cx="795868" cy="1720854"/>
+          </a:xfrm>
+          <a:prstGeom prst="line">
+            <a:avLst/>
+          </a:prstGeom>
+          <a:ln w="19050">
+            <a:solidFill>
+              <a:srgbClr val="FF0000"/>
+            </a:solidFill>
+          </a:ln>
+        </p:spPr>
+        <p:style>
+          <a:lnRef idx="1">
+            <a:schemeClr val="accent1"/>
+          </a:lnRef>
+          <a:fillRef idx="0">
+            <a:schemeClr val="accent1"/>
+          </a:fillRef>
+          <a:effectRef idx="0">
+            <a:schemeClr val="accent1"/>
+          </a:effectRef>
+          <a:fontRef idx="minor">
+            <a:schemeClr val="tx1"/>
+          </a:fontRef>
+        </p:style>
+      </p:cxnSp>
+      <p:cxnSp>
+        <p:nvCxnSpPr>
+          <p:cNvPr id="49" name="Straight Connector 48">
+            <a:extLst>
+              <a:ext uri="{FF2B5EF4-FFF2-40B4-BE49-F238E27FC236}">
+                <a16:creationId xmlns:a16="http://schemas.microsoft.com/office/drawing/2014/main" id="{39A5EA49-798D-AED5-951F-0FB9449E194B}"/>
+              </a:ext>
+            </a:extLst>
+          </p:cNvPr>
+          <p:cNvCxnSpPr>
+            <a:cxnSpLocks/>
+            <a:stCxn id="16" idx="2"/>
+            <a:endCxn id="18" idx="3"/>
+          </p:cNvCxnSpPr>
+          <p:nvPr/>
+        </p:nvCxnSpPr>
+        <p:spPr>
+          <a:xfrm flipH="1">
+            <a:off x="8195733" y="2857497"/>
+            <a:ext cx="2026967" cy="2984503"/>
+          </a:xfrm>
+          <a:prstGeom prst="line">
+            <a:avLst/>
+          </a:prstGeom>
+          <a:ln w="19050">
+            <a:solidFill>
+              <a:srgbClr val="FF0000"/>
+            </a:solidFill>
+          </a:ln>
+        </p:spPr>
+        <p:style>
+          <a:lnRef idx="1">
+            <a:schemeClr val="accent1"/>
+          </a:lnRef>
+          <a:fillRef idx="0">
+            <a:schemeClr val="accent1"/>
+          </a:fillRef>
+          <a:effectRef idx="0">
+            <a:schemeClr val="accent1"/>
+          </a:effectRef>
+          <a:fontRef idx="minor">
+            <a:schemeClr val="tx1"/>
+          </a:fontRef>
+        </p:style>
+      </p:cxnSp>
+    </p:spTree>
+    <p:extLst>
+      <p:ext uri="{BB962C8B-B14F-4D97-AF65-F5344CB8AC3E}">
+        <p14:creationId xmlns:p14="http://schemas.microsoft.com/office/powerpoint/2010/main" val="2972024690"/>
+      </p:ext>
+    </p:extLst>
+  </p:cSld>
+  <p:clrMapOvr>
+    <a:masterClrMapping/>
+  </p:clrMapOvr>
+</p:sld>
+</file>
+
+<file path=ppt/slides/slide3.xml><?xml version="1.0" encoding="utf-8"?>
+<p:sld xmlns:a="http://schemas.openxmlformats.org/drawingml/2006/main" xmlns:r="http://schemas.openxmlformats.org/officeDocument/2006/relationships" xmlns:p="http://schemas.openxmlformats.org/presentationml/2006/main">
+  <p:cSld>
+    <p:spTree>
+      <p:nvGrpSpPr>
+        <p:cNvPr id="1" name=""/>
+        <p:cNvGrpSpPr/>
+        <p:nvPr/>
+      </p:nvGrpSpPr>
+      <p:grpSpPr>
+        <a:xfrm>
+          <a:off x="0" y="0"/>
+          <a:ext cx="0" cy="0"/>
+          <a:chOff x="0" y="0"/>
+          <a:chExt cx="0" cy="0"/>
+        </a:xfrm>
+      </p:grpSpPr>
+      <p:pic>
+        <p:nvPicPr>
+          <p:cNvPr id="27" name="Graphic 26">
+            <a:extLst>
+              <a:ext uri="{FF2B5EF4-FFF2-40B4-BE49-F238E27FC236}">
+                <a16:creationId xmlns:a16="http://schemas.microsoft.com/office/drawing/2014/main" id="{62E3655B-02EC-A349-ED24-62012E02AD05}"/>
+              </a:ext>
+            </a:extLst>
+          </p:cNvPr>
+          <p:cNvPicPr>
+            <a:picLocks noChangeAspect="1"/>
+          </p:cNvPicPr>
+          <p:nvPr/>
+        </p:nvPicPr>
+        <p:blipFill>
+          <a:blip r:embed="rId2">
+            <a:extLst>
+              <a:ext uri="{96DAC541-7B7A-43D3-8B79-37D633B846F1}">
+                <asvg:svgBlip xmlns:asvg="http://schemas.microsoft.com/office/drawing/2016/SVG/main" r:embed="rId3"/>
+              </a:ext>
+            </a:extLst>
+          </a:blip>
+          <a:stretch>
+            <a:fillRect/>
+          </a:stretch>
+        </p:blipFill>
+        <p:spPr>
+          <a:xfrm>
+            <a:off x="434620" y="555480"/>
+            <a:ext cx="3069356" cy="2302017"/>
+          </a:xfrm>
+          <a:prstGeom prst="rect">
+            <a:avLst/>
+          </a:prstGeom>
+        </p:spPr>
+      </p:pic>
+      <p:pic>
+        <p:nvPicPr>
+          <p:cNvPr id="29" name="Graphic 28">
+            <a:extLst>
+              <a:ext uri="{FF2B5EF4-FFF2-40B4-BE49-F238E27FC236}">
+                <a16:creationId xmlns:a16="http://schemas.microsoft.com/office/drawing/2014/main" id="{687DBF9C-E1A8-1185-0697-45F6BB058259}"/>
+              </a:ext>
+            </a:extLst>
+          </p:cNvPr>
+          <p:cNvPicPr>
+            <a:picLocks noChangeAspect="1"/>
+          </p:cNvPicPr>
+          <p:nvPr/>
+        </p:nvPicPr>
+        <p:blipFill>
+          <a:blip r:embed="rId4">
+            <a:extLst>
+              <a:ext uri="{96DAC541-7B7A-43D3-8B79-37D633B846F1}">
+                <asvg:svgBlip xmlns:asvg="http://schemas.microsoft.com/office/drawing/2016/SVG/main" r:embed="rId5"/>
+              </a:ext>
+            </a:extLst>
+          </a:blip>
+          <a:stretch>
+            <a:fillRect/>
+          </a:stretch>
+        </p:blipFill>
+        <p:spPr>
+          <a:xfrm>
+            <a:off x="4561319" y="555480"/>
+            <a:ext cx="3069356" cy="2302017"/>
+          </a:xfrm>
+          <a:prstGeom prst="rect">
+            <a:avLst/>
+          </a:prstGeom>
+        </p:spPr>
+      </p:pic>
+      <p:pic>
+        <p:nvPicPr>
+          <p:cNvPr id="31" name="Graphic 30">
+            <a:extLst>
+              <a:ext uri="{FF2B5EF4-FFF2-40B4-BE49-F238E27FC236}">
+                <a16:creationId xmlns:a16="http://schemas.microsoft.com/office/drawing/2014/main" id="{AF392A74-F119-4BE0-0AAF-AB7677C47967}"/>
+              </a:ext>
+            </a:extLst>
+          </p:cNvPr>
+          <p:cNvPicPr>
+            <a:picLocks noChangeAspect="1"/>
+          </p:cNvPicPr>
+          <p:nvPr/>
+        </p:nvPicPr>
+        <p:blipFill>
+          <a:blip r:embed="rId6">
+            <a:extLst>
+              <a:ext uri="{96DAC541-7B7A-43D3-8B79-37D633B846F1}">
+                <asvg:svgBlip xmlns:asvg="http://schemas.microsoft.com/office/drawing/2016/SVG/main" r:embed="rId7"/>
+              </a:ext>
+            </a:extLst>
+          </a:blip>
+          <a:stretch>
+            <a:fillRect/>
+          </a:stretch>
+        </p:blipFill>
+        <p:spPr>
+          <a:xfrm>
+            <a:off x="8688020" y="537140"/>
+            <a:ext cx="3069356" cy="2302017"/>
+          </a:xfrm>
+          <a:prstGeom prst="rect">
+            <a:avLst/>
+          </a:prstGeom>
+        </p:spPr>
+      </p:pic>
+      <p:pic>
+        <p:nvPicPr>
+          <p:cNvPr id="3" name="Graphic 2">
+            <a:extLst>
+              <a:ext uri="{FF2B5EF4-FFF2-40B4-BE49-F238E27FC236}">
+                <a16:creationId xmlns:a16="http://schemas.microsoft.com/office/drawing/2014/main" id="{78492CFA-D62C-7852-E322-57E40B9AE7E3}"/>
+              </a:ext>
+            </a:extLst>
+          </p:cNvPr>
+          <p:cNvPicPr>
+            <a:picLocks noChangeAspect="1"/>
+          </p:cNvPicPr>
+          <p:nvPr/>
+        </p:nvPicPr>
+        <p:blipFill>
+          <a:blip r:embed="rId8">
+            <a:extLst>
+              <a:ext uri="{96DAC541-7B7A-43D3-8B79-37D633B846F1}">
+                <asvg:svgBlip xmlns:asvg="http://schemas.microsoft.com/office/drawing/2016/SVG/main" r:embed="rId9"/>
+              </a:ext>
+            </a:extLst>
+          </a:blip>
+          <a:stretch>
+            <a:fillRect/>
+          </a:stretch>
+        </p:blipFill>
+        <p:spPr>
+          <a:xfrm>
+            <a:off x="3428999" y="2857500"/>
+            <a:ext cx="5334000" cy="4000500"/>
+          </a:xfrm>
+          <a:prstGeom prst="rect">
+            <a:avLst/>
+          </a:prstGeom>
+        </p:spPr>
+      </p:pic>
+      <p:sp>
+        <p:nvSpPr>
+          <p:cNvPr id="13" name="Rectangle 12">
+            <a:extLst>
+              <a:ext uri="{FF2B5EF4-FFF2-40B4-BE49-F238E27FC236}">
+                <a16:creationId xmlns:a16="http://schemas.microsoft.com/office/drawing/2014/main" id="{F446A8A9-25E6-609C-2FAE-AB889A1C5982}"/>
+              </a:ext>
+            </a:extLst>
+          </p:cNvPr>
+          <p:cNvSpPr/>
+          <p:nvPr/>
+        </p:nvSpPr>
+        <p:spPr>
+          <a:xfrm>
+            <a:off x="5435600" y="3221567"/>
+            <a:ext cx="347133" cy="414866"/>
           </a:xfrm>
           <a:prstGeom prst="rect">
             <a:avLst/>
           </a:prstGeom>
           <a:noFill/>
-        </p:spPr>
-        <p:txBody>
-          <a:bodyPr wrap="none" rtlCol="0">
-            <a:spAutoFit/>
-          </a:bodyPr>
-          <a:lstStyle/>
-          <a:p>
-            <a:r>
-              <a:rPr lang="en-US" sz="1400" dirty="0">
-                <a:solidFill>
-                  <a:srgbClr val="0070C0"/>
-                </a:solidFill>
-              </a:rPr>
-              <a:t>3</a:t>
-            </a:r>
-          </a:p>
-        </p:txBody>
-      </p:sp>
-      <p:sp>
-        <p:nvSpPr>
-          <p:cNvPr id="86" name="TextBox 85">
-            <a:extLst>
-              <a:ext uri="{FF2B5EF4-FFF2-40B4-BE49-F238E27FC236}">
-                <a16:creationId xmlns:a16="http://schemas.microsoft.com/office/drawing/2014/main" id="{BC76C75C-4A3E-6E67-2B7E-BAE997D21A7F}"/>
-              </a:ext>
-            </a:extLst>
-          </p:cNvPr>
-          <p:cNvSpPr txBox="1"/>
+          <a:ln w="19050">
+            <a:solidFill>
+              <a:srgbClr val="FF0000"/>
+            </a:solidFill>
+          </a:ln>
+        </p:spPr>
+        <p:style>
+          <a:lnRef idx="2">
+            <a:schemeClr val="accent1">
+              <a:shade val="15000"/>
+            </a:schemeClr>
+          </a:lnRef>
+          <a:fillRef idx="1">
+            <a:schemeClr val="accent1"/>
+          </a:fillRef>
+          <a:effectRef idx="0">
+            <a:schemeClr val="accent1"/>
+          </a:effectRef>
+          <a:fontRef idx="minor">
+            <a:schemeClr val="lt1"/>
+          </a:fontRef>
+        </p:style>
+        <p:txBody>
+          <a:bodyPr rtlCol="0" anchor="ctr"/>
+          <a:lstStyle/>
+          <a:p>
+            <a:pPr algn="ctr"/>
+            <a:endParaRPr lang="en-US"/>
+          </a:p>
+        </p:txBody>
+      </p:sp>
+      <p:sp>
+        <p:nvSpPr>
+          <p:cNvPr id="14" name="Rectangle 13">
+            <a:extLst>
+              <a:ext uri="{FF2B5EF4-FFF2-40B4-BE49-F238E27FC236}">
+                <a16:creationId xmlns:a16="http://schemas.microsoft.com/office/drawing/2014/main" id="{1D71C60B-A279-7293-9326-E7B0C40A2562}"/>
+              </a:ext>
+            </a:extLst>
+          </p:cNvPr>
+          <p:cNvSpPr/>
           <p:nvPr/>
         </p:nvSpPr>
         <p:spPr>
           <a:xfrm>
-            <a:off x="2090079" y="4116072"/>
-            <a:ext cx="276038" cy="307777"/>
+            <a:off x="434622" y="555480"/>
+            <a:ext cx="3069356" cy="2302017"/>
           </a:xfrm>
           <a:prstGeom prst="rect">
             <a:avLst/>
           </a:prstGeom>
           <a:noFill/>
-        </p:spPr>
-        <p:txBody>
-          <a:bodyPr wrap="none" rtlCol="0">
-            <a:spAutoFit/>
-          </a:bodyPr>
-          <a:lstStyle/>
-          <a:p>
-            <a:r>
-              <a:rPr lang="en-US" sz="1400" dirty="0">
-                <a:solidFill>
-                  <a:srgbClr val="0070C0"/>
-                </a:solidFill>
-              </a:rPr>
-              <a:t>4</a:t>
-            </a:r>
-          </a:p>
-        </p:txBody>
-      </p:sp>
-      <p:sp>
-        <p:nvSpPr>
-          <p:cNvPr id="87" name="TextBox 86">
-            <a:extLst>
-              <a:ext uri="{FF2B5EF4-FFF2-40B4-BE49-F238E27FC236}">
-                <a16:creationId xmlns:a16="http://schemas.microsoft.com/office/drawing/2014/main" id="{413F8497-857B-24C8-AB83-FECED156C331}"/>
-              </a:ext>
-            </a:extLst>
-          </p:cNvPr>
-          <p:cNvSpPr txBox="1"/>
+          <a:ln w="19050">
+            <a:solidFill>
+              <a:srgbClr val="FF0000"/>
+            </a:solidFill>
+          </a:ln>
+        </p:spPr>
+        <p:style>
+          <a:lnRef idx="2">
+            <a:schemeClr val="accent1">
+              <a:shade val="15000"/>
+            </a:schemeClr>
+          </a:lnRef>
+          <a:fillRef idx="1">
+            <a:schemeClr val="accent1"/>
+          </a:fillRef>
+          <a:effectRef idx="0">
+            <a:schemeClr val="accent1"/>
+          </a:effectRef>
+          <a:fontRef idx="minor">
+            <a:schemeClr val="lt1"/>
+          </a:fontRef>
+        </p:style>
+        <p:txBody>
+          <a:bodyPr rtlCol="0" anchor="ctr"/>
+          <a:lstStyle/>
+          <a:p>
+            <a:pPr algn="ctr"/>
+            <a:endParaRPr lang="en-US"/>
+          </a:p>
+        </p:txBody>
+      </p:sp>
+      <p:sp>
+        <p:nvSpPr>
+          <p:cNvPr id="15" name="Rectangle 14">
+            <a:extLst>
+              <a:ext uri="{FF2B5EF4-FFF2-40B4-BE49-F238E27FC236}">
+                <a16:creationId xmlns:a16="http://schemas.microsoft.com/office/drawing/2014/main" id="{9889A5FF-90B6-3791-0332-9E3CB33694B7}"/>
+              </a:ext>
+            </a:extLst>
+          </p:cNvPr>
+          <p:cNvSpPr/>
           <p:nvPr/>
         </p:nvSpPr>
         <p:spPr>
           <a:xfrm>
-            <a:off x="2302924" y="4283767"/>
-            <a:ext cx="276038" cy="307777"/>
+            <a:off x="4561321" y="555480"/>
+            <a:ext cx="3069356" cy="2302017"/>
           </a:xfrm>
           <a:prstGeom prst="rect">
             <a:avLst/>
           </a:prstGeom>
           <a:noFill/>
-        </p:spPr>
-        <p:txBody>
-          <a:bodyPr wrap="none" rtlCol="0">
-            <a:spAutoFit/>
-          </a:bodyPr>
-          <a:lstStyle/>
-          <a:p>
-            <a:r>
-              <a:rPr lang="en-US" sz="1400" dirty="0">
-                <a:solidFill>
-                  <a:srgbClr val="0070C0"/>
-                </a:solidFill>
-              </a:rPr>
-              <a:t>5</a:t>
-            </a:r>
-          </a:p>
-        </p:txBody>
-      </p:sp>
-      <p:sp>
-        <p:nvSpPr>
-          <p:cNvPr id="88" name="TextBox 87">
-            <a:extLst>
-              <a:ext uri="{FF2B5EF4-FFF2-40B4-BE49-F238E27FC236}">
-                <a16:creationId xmlns:a16="http://schemas.microsoft.com/office/drawing/2014/main" id="{77F339BE-662C-A5EF-1057-D2E938E0CCEB}"/>
-              </a:ext>
-            </a:extLst>
-          </p:cNvPr>
-          <p:cNvSpPr txBox="1"/>
+          <a:ln w="19050">
+            <a:solidFill>
+              <a:srgbClr val="FF0000"/>
+            </a:solidFill>
+          </a:ln>
+        </p:spPr>
+        <p:style>
+          <a:lnRef idx="2">
+            <a:schemeClr val="accent1">
+              <a:shade val="15000"/>
+            </a:schemeClr>
+          </a:lnRef>
+          <a:fillRef idx="1">
+            <a:schemeClr val="accent1"/>
+          </a:fillRef>
+          <a:effectRef idx="0">
+            <a:schemeClr val="accent1"/>
+          </a:effectRef>
+          <a:fontRef idx="minor">
+            <a:schemeClr val="lt1"/>
+          </a:fontRef>
+        </p:style>
+        <p:txBody>
+          <a:bodyPr rtlCol="0" anchor="ctr"/>
+          <a:lstStyle/>
+          <a:p>
+            <a:pPr algn="ctr"/>
+            <a:endParaRPr lang="en-US"/>
+          </a:p>
+        </p:txBody>
+      </p:sp>
+      <p:sp>
+        <p:nvSpPr>
+          <p:cNvPr id="16" name="Rectangle 15">
+            <a:extLst>
+              <a:ext uri="{FF2B5EF4-FFF2-40B4-BE49-F238E27FC236}">
+                <a16:creationId xmlns:a16="http://schemas.microsoft.com/office/drawing/2014/main" id="{E4D9EC34-2CA5-0DC5-D185-896A7FF92F3E}"/>
+              </a:ext>
+            </a:extLst>
+          </p:cNvPr>
+          <p:cNvSpPr/>
           <p:nvPr/>
         </p:nvSpPr>
         <p:spPr>
           <a:xfrm>
-            <a:off x="2531451" y="4460142"/>
-            <a:ext cx="276038" cy="307777"/>
+            <a:off x="8688022" y="555480"/>
+            <a:ext cx="3069356" cy="2302017"/>
           </a:xfrm>
           <a:prstGeom prst="rect">
             <a:avLst/>
           </a:prstGeom>
           <a:noFill/>
-        </p:spPr>
-        <p:txBody>
-          <a:bodyPr wrap="none" rtlCol="0">
-            <a:spAutoFit/>
-          </a:bodyPr>
-          <a:lstStyle/>
-          <a:p>
-            <a:r>
-              <a:rPr lang="en-US" sz="1400" dirty="0">
-                <a:solidFill>
-                  <a:srgbClr val="0070C0"/>
-                </a:solidFill>
-              </a:rPr>
-              <a:t>6</a:t>
-            </a:r>
-          </a:p>
-        </p:txBody>
-      </p:sp>
-      <p:sp>
-        <p:nvSpPr>
-          <p:cNvPr id="89" name="TextBox 88">
-            <a:extLst>
-              <a:ext uri="{FF2B5EF4-FFF2-40B4-BE49-F238E27FC236}">
-                <a16:creationId xmlns:a16="http://schemas.microsoft.com/office/drawing/2014/main" id="{20FD60C4-695C-315D-753A-E1182994B2BF}"/>
-              </a:ext>
-            </a:extLst>
-          </p:cNvPr>
-          <p:cNvSpPr txBox="1"/>
+          <a:ln w="19050">
+            <a:solidFill>
+              <a:srgbClr val="FF0000"/>
+            </a:solidFill>
+          </a:ln>
+        </p:spPr>
+        <p:style>
+          <a:lnRef idx="2">
+            <a:schemeClr val="accent1">
+              <a:shade val="15000"/>
+            </a:schemeClr>
+          </a:lnRef>
+          <a:fillRef idx="1">
+            <a:schemeClr val="accent1"/>
+          </a:fillRef>
+          <a:effectRef idx="0">
+            <a:schemeClr val="accent1"/>
+          </a:effectRef>
+          <a:fontRef idx="minor">
+            <a:schemeClr val="lt1"/>
+          </a:fontRef>
+        </p:style>
+        <p:txBody>
+          <a:bodyPr rtlCol="0" anchor="ctr"/>
+          <a:lstStyle/>
+          <a:p>
+            <a:pPr algn="ctr"/>
+            <a:endParaRPr lang="en-US"/>
+          </a:p>
+        </p:txBody>
+      </p:sp>
+      <p:sp>
+        <p:nvSpPr>
+          <p:cNvPr id="17" name="Rectangle 16">
+            <a:extLst>
+              <a:ext uri="{FF2B5EF4-FFF2-40B4-BE49-F238E27FC236}">
+                <a16:creationId xmlns:a16="http://schemas.microsoft.com/office/drawing/2014/main" id="{CBBAE311-4CE5-1B04-13BB-CCD7F08B7D95}"/>
+              </a:ext>
+            </a:extLst>
+          </p:cNvPr>
+          <p:cNvSpPr/>
           <p:nvPr/>
         </p:nvSpPr>
         <p:spPr>
           <a:xfrm>
-            <a:off x="2886448" y="4666521"/>
-            <a:ext cx="276038" cy="307777"/>
+            <a:off x="6544734" y="4449634"/>
+            <a:ext cx="347133" cy="414866"/>
           </a:xfrm>
           <a:prstGeom prst="rect">
             <a:avLst/>
           </a:prstGeom>
           <a:noFill/>
-        </p:spPr>
-        <p:txBody>
-          <a:bodyPr wrap="none" rtlCol="0">
-            <a:spAutoFit/>
-          </a:bodyPr>
-          <a:lstStyle/>
-          <a:p>
-            <a:r>
-              <a:rPr lang="en-US" sz="1400" dirty="0">
-                <a:solidFill>
-                  <a:srgbClr val="0070C0"/>
-                </a:solidFill>
-              </a:rPr>
-              <a:t>7</a:t>
-            </a:r>
-          </a:p>
-        </p:txBody>
-      </p:sp>
-      <p:sp>
-        <p:nvSpPr>
-          <p:cNvPr id="90" name="TextBox 89">
-            <a:extLst>
-              <a:ext uri="{FF2B5EF4-FFF2-40B4-BE49-F238E27FC236}">
-                <a16:creationId xmlns:a16="http://schemas.microsoft.com/office/drawing/2014/main" id="{A5B0966E-4B2B-E124-711A-DDDCA33129F7}"/>
-              </a:ext>
-            </a:extLst>
-          </p:cNvPr>
-          <p:cNvSpPr txBox="1"/>
+          <a:ln w="19050">
+            <a:solidFill>
+              <a:srgbClr val="FF0000"/>
+            </a:solidFill>
+          </a:ln>
+        </p:spPr>
+        <p:style>
+          <a:lnRef idx="2">
+            <a:schemeClr val="accent1">
+              <a:shade val="15000"/>
+            </a:schemeClr>
+          </a:lnRef>
+          <a:fillRef idx="1">
+            <a:schemeClr val="accent1"/>
+          </a:fillRef>
+          <a:effectRef idx="0">
+            <a:schemeClr val="accent1"/>
+          </a:effectRef>
+          <a:fontRef idx="minor">
+            <a:schemeClr val="lt1"/>
+          </a:fontRef>
+        </p:style>
+        <p:txBody>
+          <a:bodyPr rtlCol="0" anchor="ctr"/>
+          <a:lstStyle/>
+          <a:p>
+            <a:pPr algn="ctr"/>
+            <a:endParaRPr lang="en-US"/>
+          </a:p>
+        </p:txBody>
+      </p:sp>
+      <p:sp>
+        <p:nvSpPr>
+          <p:cNvPr id="18" name="Rectangle 17">
+            <a:extLst>
+              <a:ext uri="{FF2B5EF4-FFF2-40B4-BE49-F238E27FC236}">
+                <a16:creationId xmlns:a16="http://schemas.microsoft.com/office/drawing/2014/main" id="{E9ED2A16-C2F5-375D-7469-0F7507A26CCF}"/>
+              </a:ext>
+            </a:extLst>
+          </p:cNvPr>
+          <p:cNvSpPr/>
           <p:nvPr/>
         </p:nvSpPr>
         <p:spPr>
           <a:xfrm>
-            <a:off x="3929918" y="5199181"/>
-            <a:ext cx="276038" cy="307777"/>
+            <a:off x="7072223" y="5211872"/>
+            <a:ext cx="347133" cy="414866"/>
           </a:xfrm>
           <a:prstGeom prst="rect">
             <a:avLst/>
           </a:prstGeom>
           <a:noFill/>
-        </p:spPr>
-        <p:txBody>
-          <a:bodyPr wrap="none" rtlCol="0">
-            <a:spAutoFit/>
-          </a:bodyPr>
-          <a:lstStyle/>
-          <a:p>
-            <a:r>
-              <a:rPr lang="en-US" sz="1400" dirty="0">
-                <a:solidFill>
-                  <a:srgbClr val="0070C0"/>
-                </a:solidFill>
-              </a:rPr>
-              <a:t>8</a:t>
-            </a:r>
-          </a:p>
-        </p:txBody>
-      </p:sp>
+          <a:ln w="19050">
+            <a:solidFill>
+              <a:srgbClr val="FF0000"/>
+            </a:solidFill>
+          </a:ln>
+        </p:spPr>
+        <p:style>
+          <a:lnRef idx="2">
+            <a:schemeClr val="accent1">
+              <a:shade val="15000"/>
+            </a:schemeClr>
+          </a:lnRef>
+          <a:fillRef idx="1">
+            <a:schemeClr val="accent1"/>
+          </a:fillRef>
+          <a:effectRef idx="0">
+            <a:schemeClr val="accent1"/>
+          </a:effectRef>
+          <a:fontRef idx="minor">
+            <a:schemeClr val="lt1"/>
+          </a:fontRef>
+        </p:style>
+        <p:txBody>
+          <a:bodyPr rtlCol="0" anchor="ctr"/>
+          <a:lstStyle/>
+          <a:p>
+            <a:pPr algn="ctr"/>
+            <a:endParaRPr lang="en-US"/>
+          </a:p>
+        </p:txBody>
+      </p:sp>
+      <p:cxnSp>
+        <p:nvCxnSpPr>
+          <p:cNvPr id="20" name="Straight Connector 19">
+            <a:extLst>
+              <a:ext uri="{FF2B5EF4-FFF2-40B4-BE49-F238E27FC236}">
+                <a16:creationId xmlns:a16="http://schemas.microsoft.com/office/drawing/2014/main" id="{5CABD01C-4082-5DD2-5FEF-A83A3C61555B}"/>
+              </a:ext>
+            </a:extLst>
+          </p:cNvPr>
+          <p:cNvCxnSpPr>
+            <a:cxnSpLocks/>
+            <a:stCxn id="14" idx="2"/>
+            <a:endCxn id="13" idx="1"/>
+          </p:cNvCxnSpPr>
+          <p:nvPr/>
+        </p:nvCxnSpPr>
+        <p:spPr>
+          <a:xfrm>
+            <a:off x="1969300" y="2857497"/>
+            <a:ext cx="3466300" cy="571503"/>
+          </a:xfrm>
+          <a:prstGeom prst="line">
+            <a:avLst/>
+          </a:prstGeom>
+          <a:ln w="19050">
+            <a:solidFill>
+              <a:srgbClr val="FF0000"/>
+            </a:solidFill>
+          </a:ln>
+        </p:spPr>
+        <p:style>
+          <a:lnRef idx="1">
+            <a:schemeClr val="accent1"/>
+          </a:lnRef>
+          <a:fillRef idx="0">
+            <a:schemeClr val="accent1"/>
+          </a:fillRef>
+          <a:effectRef idx="0">
+            <a:schemeClr val="accent1"/>
+          </a:effectRef>
+          <a:fontRef idx="minor">
+            <a:schemeClr val="tx1"/>
+          </a:fontRef>
+        </p:style>
+      </p:cxnSp>
+      <p:cxnSp>
+        <p:nvCxnSpPr>
+          <p:cNvPr id="22" name="Straight Connector 21">
+            <a:extLst>
+              <a:ext uri="{FF2B5EF4-FFF2-40B4-BE49-F238E27FC236}">
+                <a16:creationId xmlns:a16="http://schemas.microsoft.com/office/drawing/2014/main" id="{0976DABB-0691-90F6-C1D7-05FB427B8F63}"/>
+              </a:ext>
+            </a:extLst>
+          </p:cNvPr>
+          <p:cNvCxnSpPr>
+            <a:cxnSpLocks/>
+            <a:stCxn id="15" idx="2"/>
+            <a:endCxn id="17" idx="0"/>
+          </p:cNvCxnSpPr>
+          <p:nvPr/>
+        </p:nvCxnSpPr>
+        <p:spPr>
+          <a:xfrm>
+            <a:off x="6095999" y="2857497"/>
+            <a:ext cx="622302" cy="1592137"/>
+          </a:xfrm>
+          <a:prstGeom prst="line">
+            <a:avLst/>
+          </a:prstGeom>
+          <a:ln w="19050">
+            <a:solidFill>
+              <a:srgbClr val="FF0000"/>
+            </a:solidFill>
+          </a:ln>
+        </p:spPr>
+        <p:style>
+          <a:lnRef idx="1">
+            <a:schemeClr val="accent1"/>
+          </a:lnRef>
+          <a:fillRef idx="0">
+            <a:schemeClr val="accent1"/>
+          </a:fillRef>
+          <a:effectRef idx="0">
+            <a:schemeClr val="accent1"/>
+          </a:effectRef>
+          <a:fontRef idx="minor">
+            <a:schemeClr val="tx1"/>
+          </a:fontRef>
+        </p:style>
+      </p:cxnSp>
+      <p:cxnSp>
+        <p:nvCxnSpPr>
+          <p:cNvPr id="49" name="Straight Connector 48">
+            <a:extLst>
+              <a:ext uri="{FF2B5EF4-FFF2-40B4-BE49-F238E27FC236}">
+                <a16:creationId xmlns:a16="http://schemas.microsoft.com/office/drawing/2014/main" id="{39A5EA49-798D-AED5-951F-0FB9449E194B}"/>
+              </a:ext>
+            </a:extLst>
+          </p:cNvPr>
+          <p:cNvCxnSpPr>
+            <a:cxnSpLocks/>
+            <a:stCxn id="16" idx="2"/>
+            <a:endCxn id="18" idx="3"/>
+          </p:cNvCxnSpPr>
+          <p:nvPr/>
+        </p:nvCxnSpPr>
+        <p:spPr>
+          <a:xfrm flipH="1">
+            <a:off x="7419356" y="2857497"/>
+            <a:ext cx="2803344" cy="2561808"/>
+          </a:xfrm>
+          <a:prstGeom prst="line">
+            <a:avLst/>
+          </a:prstGeom>
+          <a:ln w="19050">
+            <a:solidFill>
+              <a:srgbClr val="FF0000"/>
+            </a:solidFill>
+          </a:ln>
+        </p:spPr>
+        <p:style>
+          <a:lnRef idx="1">
+            <a:schemeClr val="accent1"/>
+          </a:lnRef>
+          <a:fillRef idx="0">
+            <a:schemeClr val="accent1"/>
+          </a:fillRef>
+          <a:effectRef idx="0">
+            <a:schemeClr val="accent1"/>
+          </a:effectRef>
+          <a:fontRef idx="minor">
+            <a:schemeClr val="tx1"/>
+          </a:fontRef>
+        </p:style>
+      </p:cxnSp>
     </p:spTree>
     <p:extLst>
       <p:ext uri="{BB962C8B-B14F-4D97-AF65-F5344CB8AC3E}">
-        <p14:creationId xmlns:p14="http://schemas.microsoft.com/office/powerpoint/2010/main" val="117605310"/>
+        <p14:creationId xmlns:p14="http://schemas.microsoft.com/office/powerpoint/2010/main" val="3706446551"/>
+      </p:ext>
+    </p:extLst>
+  </p:cSld>
+  <p:clrMapOvr>
+    <a:masterClrMapping/>
+  </p:clrMapOvr>
+</p:sld>
+</file>
+
+<file path=ppt/slides/slide4.xml><?xml version="1.0" encoding="utf-8"?>
+<p:sld xmlns:a="http://schemas.openxmlformats.org/drawingml/2006/main" xmlns:r="http://schemas.openxmlformats.org/officeDocument/2006/relationships" xmlns:p="http://schemas.openxmlformats.org/presentationml/2006/main">
+  <p:cSld>
+    <p:spTree>
+      <p:nvGrpSpPr>
+        <p:cNvPr id="1" name=""/>
+        <p:cNvGrpSpPr/>
+        <p:nvPr/>
+      </p:nvGrpSpPr>
+      <p:grpSpPr>
+        <a:xfrm>
+          <a:off x="0" y="0"/>
+          <a:ext cx="0" cy="0"/>
+          <a:chOff x="0" y="0"/>
+          <a:chExt cx="0" cy="0"/>
+        </a:xfrm>
+      </p:grpSpPr>
+      <p:pic>
+        <p:nvPicPr>
+          <p:cNvPr id="21" name="Graphic 20">
+            <a:extLst>
+              <a:ext uri="{FF2B5EF4-FFF2-40B4-BE49-F238E27FC236}">
+                <a16:creationId xmlns:a16="http://schemas.microsoft.com/office/drawing/2014/main" id="{BD5C1FB4-F716-5B29-615D-6115A5732D6D}"/>
+              </a:ext>
+            </a:extLst>
+          </p:cNvPr>
+          <p:cNvPicPr>
+            <a:picLocks noChangeAspect="1"/>
+          </p:cNvPicPr>
+          <p:nvPr/>
+        </p:nvPicPr>
+        <p:blipFill>
+          <a:blip r:embed="rId2">
+            <a:extLst>
+              <a:ext uri="{96DAC541-7B7A-43D3-8B79-37D633B846F1}">
+                <asvg:svgBlip xmlns:asvg="http://schemas.microsoft.com/office/drawing/2016/SVG/main" r:embed="rId3"/>
+              </a:ext>
+            </a:extLst>
+          </a:blip>
+          <a:stretch>
+            <a:fillRect/>
+          </a:stretch>
+        </p:blipFill>
+        <p:spPr>
+          <a:xfrm>
+            <a:off x="8688022" y="573820"/>
+            <a:ext cx="3069356" cy="2302017"/>
+          </a:xfrm>
+          <a:prstGeom prst="rect">
+            <a:avLst/>
+          </a:prstGeom>
+        </p:spPr>
+      </p:pic>
+      <p:pic>
+        <p:nvPicPr>
+          <p:cNvPr id="12" name="Graphic 11">
+            <a:extLst>
+              <a:ext uri="{FF2B5EF4-FFF2-40B4-BE49-F238E27FC236}">
+                <a16:creationId xmlns:a16="http://schemas.microsoft.com/office/drawing/2014/main" id="{4CB1F13E-1BD9-C092-7DF1-5D09A5D8E4F9}"/>
+              </a:ext>
+            </a:extLst>
+          </p:cNvPr>
+          <p:cNvPicPr>
+            <a:picLocks noChangeAspect="1"/>
+          </p:cNvPicPr>
+          <p:nvPr/>
+        </p:nvPicPr>
+        <p:blipFill>
+          <a:blip r:embed="rId4">
+            <a:extLst>
+              <a:ext uri="{96DAC541-7B7A-43D3-8B79-37D633B846F1}">
+                <asvg:svgBlip xmlns:asvg="http://schemas.microsoft.com/office/drawing/2016/SVG/main" r:embed="rId5"/>
+              </a:ext>
+            </a:extLst>
+          </a:blip>
+          <a:stretch>
+            <a:fillRect/>
+          </a:stretch>
+        </p:blipFill>
+        <p:spPr>
+          <a:xfrm>
+            <a:off x="4561321" y="562738"/>
+            <a:ext cx="3069356" cy="2302017"/>
+          </a:xfrm>
+          <a:prstGeom prst="rect">
+            <a:avLst/>
+          </a:prstGeom>
+        </p:spPr>
+      </p:pic>
+      <p:pic>
+        <p:nvPicPr>
+          <p:cNvPr id="10" name="Graphic 9">
+            <a:extLst>
+              <a:ext uri="{FF2B5EF4-FFF2-40B4-BE49-F238E27FC236}">
+                <a16:creationId xmlns:a16="http://schemas.microsoft.com/office/drawing/2014/main" id="{6446B490-C30A-76E1-6A56-5AE4AEC66B91}"/>
+              </a:ext>
+            </a:extLst>
+          </p:cNvPr>
+          <p:cNvPicPr>
+            <a:picLocks noChangeAspect="1"/>
+          </p:cNvPicPr>
+          <p:nvPr/>
+        </p:nvPicPr>
+        <p:blipFill>
+          <a:blip r:embed="rId6">
+            <a:extLst>
+              <a:ext uri="{96DAC541-7B7A-43D3-8B79-37D633B846F1}">
+                <asvg:svgBlip xmlns:asvg="http://schemas.microsoft.com/office/drawing/2016/SVG/main" r:embed="rId7"/>
+              </a:ext>
+            </a:extLst>
+          </a:blip>
+          <a:stretch>
+            <a:fillRect/>
+          </a:stretch>
+        </p:blipFill>
+        <p:spPr>
+          <a:xfrm>
+            <a:off x="434616" y="564650"/>
+            <a:ext cx="3069356" cy="2302017"/>
+          </a:xfrm>
+          <a:prstGeom prst="rect">
+            <a:avLst/>
+          </a:prstGeom>
+        </p:spPr>
+      </p:pic>
+      <p:pic>
+        <p:nvPicPr>
+          <p:cNvPr id="4" name="Graphic 3">
+            <a:extLst>
+              <a:ext uri="{FF2B5EF4-FFF2-40B4-BE49-F238E27FC236}">
+                <a16:creationId xmlns:a16="http://schemas.microsoft.com/office/drawing/2014/main" id="{3C7AEE60-EBE2-D647-6E3C-FBAF5EACF7F5}"/>
+              </a:ext>
+            </a:extLst>
+          </p:cNvPr>
+          <p:cNvPicPr>
+            <a:picLocks noChangeAspect="1"/>
+          </p:cNvPicPr>
+          <p:nvPr/>
+        </p:nvPicPr>
+        <p:blipFill>
+          <a:blip r:embed="rId8">
+            <a:extLst>
+              <a:ext uri="{96DAC541-7B7A-43D3-8B79-37D633B846F1}">
+                <asvg:svgBlip xmlns:asvg="http://schemas.microsoft.com/office/drawing/2016/SVG/main" r:embed="rId9"/>
+              </a:ext>
+            </a:extLst>
+          </a:blip>
+          <a:stretch>
+            <a:fillRect/>
+          </a:stretch>
+        </p:blipFill>
+        <p:spPr>
+          <a:xfrm>
+            <a:off x="3428997" y="2875837"/>
+            <a:ext cx="5334000" cy="4000500"/>
+          </a:xfrm>
+          <a:prstGeom prst="rect">
+            <a:avLst/>
+          </a:prstGeom>
+        </p:spPr>
+      </p:pic>
+      <p:sp>
+        <p:nvSpPr>
+          <p:cNvPr id="13" name="Rectangle 12">
+            <a:extLst>
+              <a:ext uri="{FF2B5EF4-FFF2-40B4-BE49-F238E27FC236}">
+                <a16:creationId xmlns:a16="http://schemas.microsoft.com/office/drawing/2014/main" id="{F446A8A9-25E6-609C-2FAE-AB889A1C5982}"/>
+              </a:ext>
+            </a:extLst>
+          </p:cNvPr>
+          <p:cNvSpPr/>
+          <p:nvPr/>
+        </p:nvSpPr>
+        <p:spPr>
+          <a:xfrm>
+            <a:off x="5401733" y="3251399"/>
+            <a:ext cx="347133" cy="414866"/>
+          </a:xfrm>
+          <a:prstGeom prst="rect">
+            <a:avLst/>
+          </a:prstGeom>
+          <a:noFill/>
+          <a:ln w="19050">
+            <a:solidFill>
+              <a:srgbClr val="FF0000"/>
+            </a:solidFill>
+          </a:ln>
+        </p:spPr>
+        <p:style>
+          <a:lnRef idx="2">
+            <a:schemeClr val="accent1">
+              <a:shade val="15000"/>
+            </a:schemeClr>
+          </a:lnRef>
+          <a:fillRef idx="1">
+            <a:schemeClr val="accent1"/>
+          </a:fillRef>
+          <a:effectRef idx="0">
+            <a:schemeClr val="accent1"/>
+          </a:effectRef>
+          <a:fontRef idx="minor">
+            <a:schemeClr val="lt1"/>
+          </a:fontRef>
+        </p:style>
+        <p:txBody>
+          <a:bodyPr rtlCol="0" anchor="ctr"/>
+          <a:lstStyle/>
+          <a:p>
+            <a:pPr algn="ctr"/>
+            <a:endParaRPr lang="en-US"/>
+          </a:p>
+        </p:txBody>
+      </p:sp>
+      <p:sp>
+        <p:nvSpPr>
+          <p:cNvPr id="14" name="Rectangle 13">
+            <a:extLst>
+              <a:ext uri="{FF2B5EF4-FFF2-40B4-BE49-F238E27FC236}">
+                <a16:creationId xmlns:a16="http://schemas.microsoft.com/office/drawing/2014/main" id="{1D71C60B-A279-7293-9326-E7B0C40A2562}"/>
+              </a:ext>
+            </a:extLst>
+          </p:cNvPr>
+          <p:cNvSpPr/>
+          <p:nvPr/>
+        </p:nvSpPr>
+        <p:spPr>
+          <a:xfrm>
+            <a:off x="434622" y="555480"/>
+            <a:ext cx="3069356" cy="2302017"/>
+          </a:xfrm>
+          <a:prstGeom prst="rect">
+            <a:avLst/>
+          </a:prstGeom>
+          <a:noFill/>
+          <a:ln w="19050">
+            <a:solidFill>
+              <a:srgbClr val="FF0000"/>
+            </a:solidFill>
+          </a:ln>
+        </p:spPr>
+        <p:style>
+          <a:lnRef idx="2">
+            <a:schemeClr val="accent1">
+              <a:shade val="15000"/>
+            </a:schemeClr>
+          </a:lnRef>
+          <a:fillRef idx="1">
+            <a:schemeClr val="accent1"/>
+          </a:fillRef>
+          <a:effectRef idx="0">
+            <a:schemeClr val="accent1"/>
+          </a:effectRef>
+          <a:fontRef idx="minor">
+            <a:schemeClr val="lt1"/>
+          </a:fontRef>
+        </p:style>
+        <p:txBody>
+          <a:bodyPr rtlCol="0" anchor="ctr"/>
+          <a:lstStyle/>
+          <a:p>
+            <a:pPr algn="ctr"/>
+            <a:endParaRPr lang="en-US"/>
+          </a:p>
+        </p:txBody>
+      </p:sp>
+      <p:sp>
+        <p:nvSpPr>
+          <p:cNvPr id="15" name="Rectangle 14">
+            <a:extLst>
+              <a:ext uri="{FF2B5EF4-FFF2-40B4-BE49-F238E27FC236}">
+                <a16:creationId xmlns:a16="http://schemas.microsoft.com/office/drawing/2014/main" id="{9889A5FF-90B6-3791-0332-9E3CB33694B7}"/>
+              </a:ext>
+            </a:extLst>
+          </p:cNvPr>
+          <p:cNvSpPr/>
+          <p:nvPr/>
+        </p:nvSpPr>
+        <p:spPr>
+          <a:xfrm>
+            <a:off x="4561321" y="555480"/>
+            <a:ext cx="3069356" cy="2302017"/>
+          </a:xfrm>
+          <a:prstGeom prst="rect">
+            <a:avLst/>
+          </a:prstGeom>
+          <a:noFill/>
+          <a:ln w="19050">
+            <a:solidFill>
+              <a:srgbClr val="FF0000"/>
+            </a:solidFill>
+          </a:ln>
+        </p:spPr>
+        <p:style>
+          <a:lnRef idx="2">
+            <a:schemeClr val="accent1">
+              <a:shade val="15000"/>
+            </a:schemeClr>
+          </a:lnRef>
+          <a:fillRef idx="1">
+            <a:schemeClr val="accent1"/>
+          </a:fillRef>
+          <a:effectRef idx="0">
+            <a:schemeClr val="accent1"/>
+          </a:effectRef>
+          <a:fontRef idx="minor">
+            <a:schemeClr val="lt1"/>
+          </a:fontRef>
+        </p:style>
+        <p:txBody>
+          <a:bodyPr rtlCol="0" anchor="ctr"/>
+          <a:lstStyle/>
+          <a:p>
+            <a:pPr algn="ctr"/>
+            <a:endParaRPr lang="en-US"/>
+          </a:p>
+        </p:txBody>
+      </p:sp>
+      <p:sp>
+        <p:nvSpPr>
+          <p:cNvPr id="16" name="Rectangle 15">
+            <a:extLst>
+              <a:ext uri="{FF2B5EF4-FFF2-40B4-BE49-F238E27FC236}">
+                <a16:creationId xmlns:a16="http://schemas.microsoft.com/office/drawing/2014/main" id="{E4D9EC34-2CA5-0DC5-D185-896A7FF92F3E}"/>
+              </a:ext>
+            </a:extLst>
+          </p:cNvPr>
+          <p:cNvSpPr/>
+          <p:nvPr/>
+        </p:nvSpPr>
+        <p:spPr>
+          <a:xfrm>
+            <a:off x="8688022" y="555480"/>
+            <a:ext cx="3069356" cy="2302017"/>
+          </a:xfrm>
+          <a:prstGeom prst="rect">
+            <a:avLst/>
+          </a:prstGeom>
+          <a:noFill/>
+          <a:ln w="19050">
+            <a:solidFill>
+              <a:srgbClr val="FF0000"/>
+            </a:solidFill>
+          </a:ln>
+        </p:spPr>
+        <p:style>
+          <a:lnRef idx="2">
+            <a:schemeClr val="accent1">
+              <a:shade val="15000"/>
+            </a:schemeClr>
+          </a:lnRef>
+          <a:fillRef idx="1">
+            <a:schemeClr val="accent1"/>
+          </a:fillRef>
+          <a:effectRef idx="0">
+            <a:schemeClr val="accent1"/>
+          </a:effectRef>
+          <a:fontRef idx="minor">
+            <a:schemeClr val="lt1"/>
+          </a:fontRef>
+        </p:style>
+        <p:txBody>
+          <a:bodyPr rtlCol="0" anchor="ctr"/>
+          <a:lstStyle/>
+          <a:p>
+            <a:pPr algn="ctr"/>
+            <a:endParaRPr lang="en-US"/>
+          </a:p>
+        </p:txBody>
+      </p:sp>
+      <p:sp>
+        <p:nvSpPr>
+          <p:cNvPr id="17" name="Rectangle 16">
+            <a:extLst>
+              <a:ext uri="{FF2B5EF4-FFF2-40B4-BE49-F238E27FC236}">
+                <a16:creationId xmlns:a16="http://schemas.microsoft.com/office/drawing/2014/main" id="{CBBAE311-4CE5-1B04-13BB-CCD7F08B7D95}"/>
+              </a:ext>
+            </a:extLst>
+          </p:cNvPr>
+          <p:cNvSpPr/>
+          <p:nvPr/>
+        </p:nvSpPr>
+        <p:spPr>
+          <a:xfrm>
+            <a:off x="6544734" y="4449634"/>
+            <a:ext cx="347133" cy="414866"/>
+          </a:xfrm>
+          <a:prstGeom prst="rect">
+            <a:avLst/>
+          </a:prstGeom>
+          <a:noFill/>
+          <a:ln w="19050">
+            <a:solidFill>
+              <a:srgbClr val="FF0000"/>
+            </a:solidFill>
+          </a:ln>
+        </p:spPr>
+        <p:style>
+          <a:lnRef idx="2">
+            <a:schemeClr val="accent1">
+              <a:shade val="15000"/>
+            </a:schemeClr>
+          </a:lnRef>
+          <a:fillRef idx="1">
+            <a:schemeClr val="accent1"/>
+          </a:fillRef>
+          <a:effectRef idx="0">
+            <a:schemeClr val="accent1"/>
+          </a:effectRef>
+          <a:fontRef idx="minor">
+            <a:schemeClr val="lt1"/>
+          </a:fontRef>
+        </p:style>
+        <p:txBody>
+          <a:bodyPr rtlCol="0" anchor="ctr"/>
+          <a:lstStyle/>
+          <a:p>
+            <a:pPr algn="ctr"/>
+            <a:endParaRPr lang="en-US"/>
+          </a:p>
+        </p:txBody>
+      </p:sp>
+      <p:sp>
+        <p:nvSpPr>
+          <p:cNvPr id="18" name="Rectangle 17">
+            <a:extLst>
+              <a:ext uri="{FF2B5EF4-FFF2-40B4-BE49-F238E27FC236}">
+                <a16:creationId xmlns:a16="http://schemas.microsoft.com/office/drawing/2014/main" id="{E9ED2A16-C2F5-375D-7469-0F7507A26CCF}"/>
+              </a:ext>
+            </a:extLst>
+          </p:cNvPr>
+          <p:cNvSpPr/>
+          <p:nvPr/>
+        </p:nvSpPr>
+        <p:spPr>
+          <a:xfrm>
+            <a:off x="7419356" y="5719872"/>
+            <a:ext cx="347133" cy="414866"/>
+          </a:xfrm>
+          <a:prstGeom prst="rect">
+            <a:avLst/>
+          </a:prstGeom>
+          <a:noFill/>
+          <a:ln w="19050">
+            <a:solidFill>
+              <a:srgbClr val="FF0000"/>
+            </a:solidFill>
+          </a:ln>
+        </p:spPr>
+        <p:style>
+          <a:lnRef idx="2">
+            <a:schemeClr val="accent1">
+              <a:shade val="15000"/>
+            </a:schemeClr>
+          </a:lnRef>
+          <a:fillRef idx="1">
+            <a:schemeClr val="accent1"/>
+          </a:fillRef>
+          <a:effectRef idx="0">
+            <a:schemeClr val="accent1"/>
+          </a:effectRef>
+          <a:fontRef idx="minor">
+            <a:schemeClr val="lt1"/>
+          </a:fontRef>
+        </p:style>
+        <p:txBody>
+          <a:bodyPr rtlCol="0" anchor="ctr"/>
+          <a:lstStyle/>
+          <a:p>
+            <a:pPr algn="ctr"/>
+            <a:endParaRPr lang="en-US"/>
+          </a:p>
+        </p:txBody>
+      </p:sp>
+      <p:cxnSp>
+        <p:nvCxnSpPr>
+          <p:cNvPr id="20" name="Straight Connector 19">
+            <a:extLst>
+              <a:ext uri="{FF2B5EF4-FFF2-40B4-BE49-F238E27FC236}">
+                <a16:creationId xmlns:a16="http://schemas.microsoft.com/office/drawing/2014/main" id="{5CABD01C-4082-5DD2-5FEF-A83A3C61555B}"/>
+              </a:ext>
+            </a:extLst>
+          </p:cNvPr>
+          <p:cNvCxnSpPr>
+            <a:cxnSpLocks/>
+            <a:stCxn id="14" idx="2"/>
+            <a:endCxn id="13" idx="1"/>
+          </p:cNvCxnSpPr>
+          <p:nvPr/>
+        </p:nvCxnSpPr>
+        <p:spPr>
+          <a:xfrm>
+            <a:off x="1969300" y="2857497"/>
+            <a:ext cx="3432433" cy="601335"/>
+          </a:xfrm>
+          <a:prstGeom prst="line">
+            <a:avLst/>
+          </a:prstGeom>
+          <a:ln w="19050">
+            <a:solidFill>
+              <a:srgbClr val="FF0000"/>
+            </a:solidFill>
+          </a:ln>
+        </p:spPr>
+        <p:style>
+          <a:lnRef idx="1">
+            <a:schemeClr val="accent1"/>
+          </a:lnRef>
+          <a:fillRef idx="0">
+            <a:schemeClr val="accent1"/>
+          </a:fillRef>
+          <a:effectRef idx="0">
+            <a:schemeClr val="accent1"/>
+          </a:effectRef>
+          <a:fontRef idx="minor">
+            <a:schemeClr val="tx1"/>
+          </a:fontRef>
+        </p:style>
+      </p:cxnSp>
+      <p:cxnSp>
+        <p:nvCxnSpPr>
+          <p:cNvPr id="22" name="Straight Connector 21">
+            <a:extLst>
+              <a:ext uri="{FF2B5EF4-FFF2-40B4-BE49-F238E27FC236}">
+                <a16:creationId xmlns:a16="http://schemas.microsoft.com/office/drawing/2014/main" id="{0976DABB-0691-90F6-C1D7-05FB427B8F63}"/>
+              </a:ext>
+            </a:extLst>
+          </p:cNvPr>
+          <p:cNvCxnSpPr>
+            <a:cxnSpLocks/>
+            <a:stCxn id="15" idx="2"/>
+            <a:endCxn id="17" idx="0"/>
+          </p:cNvCxnSpPr>
+          <p:nvPr/>
+        </p:nvCxnSpPr>
+        <p:spPr>
+          <a:xfrm>
+            <a:off x="6095999" y="2857497"/>
+            <a:ext cx="622302" cy="1592137"/>
+          </a:xfrm>
+          <a:prstGeom prst="line">
+            <a:avLst/>
+          </a:prstGeom>
+          <a:ln w="19050">
+            <a:solidFill>
+              <a:srgbClr val="FF0000"/>
+            </a:solidFill>
+          </a:ln>
+        </p:spPr>
+        <p:style>
+          <a:lnRef idx="1">
+            <a:schemeClr val="accent1"/>
+          </a:lnRef>
+          <a:fillRef idx="0">
+            <a:schemeClr val="accent1"/>
+          </a:fillRef>
+          <a:effectRef idx="0">
+            <a:schemeClr val="accent1"/>
+          </a:effectRef>
+          <a:fontRef idx="minor">
+            <a:schemeClr val="tx1"/>
+          </a:fontRef>
+        </p:style>
+      </p:cxnSp>
+      <p:cxnSp>
+        <p:nvCxnSpPr>
+          <p:cNvPr id="49" name="Straight Connector 48">
+            <a:extLst>
+              <a:ext uri="{FF2B5EF4-FFF2-40B4-BE49-F238E27FC236}">
+                <a16:creationId xmlns:a16="http://schemas.microsoft.com/office/drawing/2014/main" id="{39A5EA49-798D-AED5-951F-0FB9449E194B}"/>
+              </a:ext>
+            </a:extLst>
+          </p:cNvPr>
+          <p:cNvCxnSpPr>
+            <a:cxnSpLocks/>
+            <a:stCxn id="16" idx="2"/>
+            <a:endCxn id="18" idx="3"/>
+          </p:cNvCxnSpPr>
+          <p:nvPr/>
+        </p:nvCxnSpPr>
+        <p:spPr>
+          <a:xfrm flipH="1">
+            <a:off x="7766489" y="2857497"/>
+            <a:ext cx="2456211" cy="3069808"/>
+          </a:xfrm>
+          <a:prstGeom prst="line">
+            <a:avLst/>
+          </a:prstGeom>
+          <a:ln w="19050">
+            <a:solidFill>
+              <a:srgbClr val="FF0000"/>
+            </a:solidFill>
+          </a:ln>
+        </p:spPr>
+        <p:style>
+          <a:lnRef idx="1">
+            <a:schemeClr val="accent1"/>
+          </a:lnRef>
+          <a:fillRef idx="0">
+            <a:schemeClr val="accent1"/>
+          </a:fillRef>
+          <a:effectRef idx="0">
+            <a:schemeClr val="accent1"/>
+          </a:effectRef>
+          <a:fontRef idx="minor">
+            <a:schemeClr val="tx1"/>
+          </a:fontRef>
+        </p:style>
+      </p:cxnSp>
+    </p:spTree>
+    <p:extLst>
+      <p:ext uri="{BB962C8B-B14F-4D97-AF65-F5344CB8AC3E}">
+        <p14:creationId xmlns:p14="http://schemas.microsoft.com/office/powerpoint/2010/main" val="3880345554"/>
       </p:ext>
     </p:extLst>
   </p:cSld>
